--- a/cmsc125/ostep/slides/02.Concurrency/29.Lock-based_Concurrent_Data_Structures.pptx
+++ b/cmsc125/ostep/slides/02.Concurrency/29.Lock-based_Concurrent_Data_Structures.pptx
@@ -37,8 +37,8 @@
     <p:sldId id="284" r:id="rId28"/>
     <p:sldId id="278" r:id="rId29"/>
     <p:sldId id="279" r:id="rId30"/>
-    <p:sldId id="280" r:id="rId31"/>
-    <p:sldId id="281" r:id="rId32"/>
+    <p:sldId id="281" r:id="rId31"/>
+    <p:sldId id="280" r:id="rId32"/>
   </p:sldIdLst>
   <p:sldSz cx="12192000" cy="6858000"/>
   <p:notesSz cx="6797675" cy="9928225"/>
@@ -268,7 +268,7 @@
           <a:p>
             <a:fld id="{050F0499-AE52-4672-879B-3107B2FC2A9F}" type="datetimeFigureOut">
               <a:rPr lang="ko-KR" altLang="en-US" smtClean="0"/>
-              <a:t>2021-11-20</a:t>
+              <a:t>2021-12-08</a:t>
             </a:fld>
             <a:endParaRPr lang="ko-KR" altLang="en-US"/>
           </a:p>
@@ -1701,6 +1701,16 @@
           <a:p>
             <a:r>
               <a:rPr lang="en-US" altLang="ko-KR" dirty="0"/>
+              <a:t>What we want to see is </a:t>
+            </a:r>
+            <a:r>
+              <a:rPr lang="en-US" altLang="ko-KR" b="1" dirty="0"/>
+              <a:t>perfect scaling</a:t>
+            </a:r>
+          </a:p>
+          <a:p>
+            <a:r>
+              <a:rPr lang="en-US" altLang="ko-KR" dirty="0"/>
               <a:t>Even though more work is done, it is </a:t>
             </a:r>
             <a:r>
@@ -1772,7 +1782,7 @@
           <a:p>
             <a:r>
               <a:rPr lang="en-US" altLang="ko-KR" dirty="0"/>
-              <a:t>Sloppy counter</a:t>
+              <a:t>Approximate Counter</a:t>
             </a:r>
             <a:endParaRPr lang="ko-KR" altLang="en-US" dirty="0"/>
           </a:p>
@@ -1795,7 +1805,7 @@
           <a:p>
             <a:r>
               <a:rPr lang="en-US" altLang="ko-KR" dirty="0"/>
-              <a:t>The sloppy counter works by representing …</a:t>
+              <a:t>The approximate counter works by representing …</a:t>
             </a:r>
           </a:p>
           <a:p>
@@ -1814,7 +1824,7 @@
             </a:r>
             <a:r>
               <a:rPr lang="en-US" altLang="ko-KR" u="sng" dirty="0"/>
-              <a:t>on per CPU core</a:t>
+              <a:t>one per CPU core</a:t>
             </a:r>
           </a:p>
           <a:p>
@@ -1930,7 +1940,7 @@
           <a:p>
             <a:r>
               <a:rPr lang="en-US" altLang="ko-KR" dirty="0"/>
-              <a:t>The basic idea of sloppy counting</a:t>
+              <a:t>The basic idea of Approximate Counter</a:t>
             </a:r>
             <a:endParaRPr lang="ko-KR" altLang="en-US" dirty="0"/>
           </a:p>
@@ -2004,7 +2014,7 @@
             <a:pPr lvl="1"/>
             <a:r>
               <a:rPr lang="en-US" altLang="ko-KR" dirty="0"/>
-              <a:t>The local values are periodically transferred to the global counter</a:t>
+              <a:t>The local values are periodically transferred to the global counter (in case a thread wishes to read the value)</a:t>
             </a:r>
           </a:p>
           <a:p>
@@ -2084,7 +2094,7 @@
           <a:p>
             <a:r>
               <a:rPr lang="en-US" altLang="ko-KR" dirty="0"/>
-              <a:t>The basic idea of sloppy counting (Cont.)</a:t>
+              <a:t>The basic idea of Approximate Counter (Cont.)</a:t>
             </a:r>
             <a:endParaRPr lang="ko-KR" altLang="en-US" dirty="0"/>
           </a:p>
@@ -2124,7 +2134,7 @@
               <a:rPr lang="en-US" altLang="ko-KR" dirty="0">
                 <a:cs typeface="Courier New" pitchFamily="49" charset="0"/>
               </a:rPr>
-              <a:t>(sloppiness)</a:t>
+              <a:t>(Approximation Factor)</a:t>
             </a:r>
             <a:endParaRPr lang="en-US" altLang="ko-KR" dirty="0"/>
           </a:p>
@@ -2280,7 +2290,7 @@
               <a:p>
                 <a:r>
                   <a:rPr lang="en-US" altLang="ko-KR" dirty="0"/>
-                  <a:t>Tracing the Sloppy Counters</a:t>
+                  <a:t>Tracing the Approximate Counters</a:t>
                 </a:r>
               </a:p>
               <a:p>
@@ -2404,8 +2414,8 @@
           </p:sp>
         </mc:Fallback>
       </mc:AlternateContent>
-      <mc:AlternateContent xmlns:mc="http://schemas.openxmlformats.org/markup-compatibility/2006">
-        <mc:Choice xmlns:a14="http://schemas.microsoft.com/office/drawing/2010/main" Requires="a14">
+      <mc:AlternateContent xmlns:mc="http://schemas.openxmlformats.org/markup-compatibility/2006" xmlns:a14="http://schemas.microsoft.com/office/drawing/2010/main">
+        <mc:Choice Requires="a14">
           <p:graphicFrame>
             <p:nvGraphicFramePr>
               <p:cNvPr id="8" name="표 7"/>
@@ -4718,7 +4728,7 @@
             </a:graphic>
           </p:graphicFrame>
         </mc:Choice>
-        <mc:Fallback>
+        <mc:Fallback xmlns="">
           <p:graphicFrame>
             <p:nvGraphicFramePr>
               <p:cNvPr id="8" name="표 7"/>
@@ -6930,7 +6940,7 @@
               <a:rPr lang="en-US" altLang="ko-KR" dirty="0">
                 <a:sym typeface="Wingdings" pitchFamily="2" charset="2"/>
               </a:rPr>
-              <a:t>, The global count is always quire </a:t>
+              <a:t>, The global count is always quite </a:t>
             </a:r>
             <a:r>
               <a:rPr lang="en-US" altLang="ko-KR" b="1" dirty="0">
@@ -6972,70 +6982,6 @@
           </a:p>
         </p:txBody>
       </p:sp>
-      <p:pic>
-        <p:nvPicPr>
-          <p:cNvPr id="2050" name="Picture 2"/>
-          <p:cNvPicPr>
-            <a:picLocks noChangeAspect="1" noChangeArrowheads="1"/>
-          </p:cNvPicPr>
-          <p:nvPr/>
-        </p:nvPicPr>
-        <p:blipFill>
-          <a:blip r:embed="rId2">
-            <a:extLst>
-              <a:ext uri="{28A0092B-C50C-407E-A947-70E740481C1C}">
-                <a14:useLocalDpi xmlns:a14="http://schemas.microsoft.com/office/drawing/2010/main" val="0"/>
-              </a:ext>
-            </a:extLst>
-          </a:blip>
-          <a:srcRect/>
-          <a:stretch>
-            <a:fillRect/>
-          </a:stretch>
-        </p:blipFill>
-        <p:spPr bwMode="auto">
-          <a:xfrm>
-            <a:off x="3708268" y="2646356"/>
-            <a:ext cx="4691989" cy="3446940"/>
-          </a:xfrm>
-          <a:prstGeom prst="rect">
-            <a:avLst/>
-          </a:prstGeom>
-          <a:noFill/>
-          <a:ln>
-            <a:noFill/>
-          </a:ln>
-          <a:effectLst/>
-          <a:extLst>
-            <a:ext uri="{909E8E84-426E-40DD-AFC4-6F175D3DCCD1}">
-              <a14:hiddenFill xmlns:a14="http://schemas.microsoft.com/office/drawing/2010/main">
-                <a:solidFill>
-                  <a:schemeClr val="accent1"/>
-                </a:solidFill>
-              </a14:hiddenFill>
-            </a:ext>
-            <a:ext uri="{91240B29-F687-4F45-9708-019B960494DF}">
-              <a14:hiddenLine xmlns:a14="http://schemas.microsoft.com/office/drawing/2010/main" w="9525">
-                <a:solidFill>
-                  <a:schemeClr val="tx1"/>
-                </a:solidFill>
-                <a:miter lim="800000"/>
-                <a:headEnd/>
-                <a:tailEnd/>
-              </a14:hiddenLine>
-            </a:ext>
-            <a:ext uri="{AF507438-7753-43E0-B8FC-AC1667EBCBE1}">
-              <a14:hiddenEffects xmlns:a14="http://schemas.microsoft.com/office/drawing/2010/main">
-                <a:effectLst>
-                  <a:outerShdw dist="35921" dir="2700000" algn="ctr" rotWithShape="0">
-                    <a:schemeClr val="bg2"/>
-                  </a:outerShdw>
-                </a:effectLst>
-              </a14:hiddenEffects>
-            </a:ext>
-          </a:extLst>
-        </p:spPr>
-      </p:pic>
       <p:sp>
         <p:nvSpPr>
           <p:cNvPr id="7" name="TextBox 6"/>
@@ -7067,7 +7013,7 @@
                 <a:latin typeface="맑은 고딕" pitchFamily="50" charset="-127"/>
                 <a:ea typeface="맑은 고딕" pitchFamily="50" charset="-127"/>
               </a:rPr>
-              <a:t>Scaling Sloppy Counters</a:t>
+              <a:t>Scaling Approximate Counters</a:t>
             </a:r>
             <a:endParaRPr lang="ko-KR" altLang="en-US" sz="1600" dirty="0">
               <a:solidFill>
@@ -7079,6 +7025,36 @@
           </a:p>
         </p:txBody>
       </p:sp>
+      <p:pic>
+        <p:nvPicPr>
+          <p:cNvPr id="5" name="Picture 4">
+            <a:extLst>
+              <a:ext uri="{FF2B5EF4-FFF2-40B4-BE49-F238E27FC236}">
+                <a16:creationId xmlns:a16="http://schemas.microsoft.com/office/drawing/2014/main" id="{C2B945A9-BA13-4D97-8A89-02F42005ED6C}"/>
+              </a:ext>
+            </a:extLst>
+          </p:cNvPr>
+          <p:cNvPicPr>
+            <a:picLocks noChangeAspect="1"/>
+          </p:cNvPicPr>
+          <p:nvPr/>
+        </p:nvPicPr>
+        <p:blipFill>
+          <a:blip r:embed="rId2"/>
+          <a:stretch>
+            <a:fillRect/>
+          </a:stretch>
+        </p:blipFill>
+        <p:spPr>
+          <a:xfrm>
+            <a:off x="3924300" y="2720687"/>
+            <a:ext cx="4343400" cy="3238500"/>
+          </a:xfrm>
+          <a:prstGeom prst="rect">
+            <a:avLst/>
+          </a:prstGeom>
+        </p:spPr>
+      </p:pic>
     </p:spTree>
     <p:extLst>
       <p:ext uri="{BB962C8B-B14F-4D97-AF65-F5344CB8AC3E}">
@@ -7129,7 +7105,7 @@
           <a:p>
             <a:r>
               <a:rPr lang="en-US" altLang="ko-KR" dirty="0"/>
-              <a:t>Sloppy Counter Implementation</a:t>
+              <a:t>Approximate Counter Implementation</a:t>
             </a:r>
             <a:endParaRPr lang="ko-KR" altLang="en-US" dirty="0"/>
           </a:p>
@@ -8494,7 +8470,7 @@
           <a:p>
             <a:r>
               <a:rPr lang="en-US" altLang="ko-KR" dirty="0"/>
-              <a:t>Sloppy Counter Implementation (Cont.)</a:t>
+              <a:t>Approximate Counter Implementation (Cont.)</a:t>
             </a:r>
             <a:endParaRPr lang="ko-KR" altLang="en-US" dirty="0"/>
           </a:p>
@@ -14746,7 +14722,11 @@
           <a:p>
             <a:r>
               <a:rPr lang="en-US" altLang="ko-KR" dirty="0"/>
-              <a:t>Add a dummy node</a:t>
+              <a:t>Add a </a:t>
+            </a:r>
+            <a:r>
+              <a:rPr lang="en-US" altLang="ko-KR" b="1" dirty="0"/>
+              <a:t>dummy node</a:t>
             </a:r>
           </a:p>
           <a:p>
@@ -18057,6 +18037,1221 @@
 </file>
 
 <file path=ppt/slides/slide30.xml><?xml version="1.0" encoding="utf-8"?>
+<p:sld xmlns:a="http://schemas.openxmlformats.org/drawingml/2006/main" xmlns:r="http://schemas.openxmlformats.org/officeDocument/2006/relationships" xmlns:p="http://schemas.openxmlformats.org/presentationml/2006/main">
+  <p:cSld>
+    <p:spTree>
+      <p:nvGrpSpPr>
+        <p:cNvPr id="1" name=""/>
+        <p:cNvGrpSpPr/>
+        <p:nvPr/>
+      </p:nvGrpSpPr>
+      <p:grpSpPr>
+        <a:xfrm>
+          <a:off x="0" y="0"/>
+          <a:ext cx="0" cy="0"/>
+          <a:chOff x="0" y="0"/>
+          <a:chExt cx="0" cy="0"/>
+        </a:xfrm>
+      </p:grpSpPr>
+      <p:sp>
+        <p:nvSpPr>
+          <p:cNvPr id="2" name="제목 1"/>
+          <p:cNvSpPr>
+            <a:spLocks noGrp="1"/>
+          </p:cNvSpPr>
+          <p:nvPr>
+            <p:ph type="title"/>
+          </p:nvPr>
+        </p:nvSpPr>
+        <p:spPr/>
+        <p:txBody>
+          <a:bodyPr/>
+          <a:lstStyle/>
+          <a:p>
+            <a:r>
+              <a:rPr lang="en-US" altLang="ko-KR" dirty="0"/>
+              <a:t>Concurrent Hash Table</a:t>
+            </a:r>
+            <a:endParaRPr lang="ko-KR" altLang="en-US" dirty="0"/>
+          </a:p>
+        </p:txBody>
+      </p:sp>
+      <p:sp>
+        <p:nvSpPr>
+          <p:cNvPr id="6" name="직사각형 5"/>
+          <p:cNvSpPr/>
+          <p:nvPr/>
+        </p:nvSpPr>
+        <p:spPr>
+          <a:xfrm>
+            <a:off x="2279576" y="1052736"/>
+            <a:ext cx="7632848" cy="4832092"/>
+          </a:xfrm>
+          <a:prstGeom prst="rect">
+            <a:avLst/>
+          </a:prstGeom>
+          <a:solidFill>
+            <a:schemeClr val="bg1"/>
+          </a:solidFill>
+          <a:ln w="12700">
+            <a:solidFill>
+              <a:schemeClr val="tx1"/>
+            </a:solidFill>
+          </a:ln>
+          <a:effectLst/>
+        </p:spPr>
+        <p:style>
+          <a:lnRef idx="3">
+            <a:schemeClr val="lt1"/>
+          </a:lnRef>
+          <a:fillRef idx="1">
+            <a:schemeClr val="accent1"/>
+          </a:fillRef>
+          <a:effectRef idx="1">
+            <a:schemeClr val="accent1"/>
+          </a:effectRef>
+          <a:fontRef idx="minor">
+            <a:schemeClr val="lt1"/>
+          </a:fontRef>
+        </p:style>
+        <p:txBody>
+          <a:bodyPr wrap="square" lIns="252000" rtlCol="0" anchor="ctr">
+            <a:spAutoFit/>
+          </a:bodyPr>
+          <a:lstStyle>
+            <a:defPPr>
+              <a:defRPr lang="ko-KR"/>
+            </a:defPPr>
+            <a:lvl1pPr marL="0" algn="l" defTabSz="914400" rtl="0" eaLnBrk="1" latinLnBrk="1" hangingPunct="1">
+              <a:defRPr sz="1800" kern="1200">
+                <a:solidFill>
+                  <a:schemeClr val="lt1"/>
+                </a:solidFill>
+                <a:latin typeface="+mn-lt"/>
+                <a:ea typeface="+mn-ea"/>
+                <a:cs typeface="+mn-cs"/>
+              </a:defRPr>
+            </a:lvl1pPr>
+            <a:lvl2pPr marL="457200" algn="l" defTabSz="914400" rtl="0" eaLnBrk="1" latinLnBrk="1" hangingPunct="1">
+              <a:defRPr sz="1800" kern="1200">
+                <a:solidFill>
+                  <a:schemeClr val="lt1"/>
+                </a:solidFill>
+                <a:latin typeface="+mn-lt"/>
+                <a:ea typeface="+mn-ea"/>
+                <a:cs typeface="+mn-cs"/>
+              </a:defRPr>
+            </a:lvl2pPr>
+            <a:lvl3pPr marL="914400" algn="l" defTabSz="914400" rtl="0" eaLnBrk="1" latinLnBrk="1" hangingPunct="1">
+              <a:defRPr sz="1800" kern="1200">
+                <a:solidFill>
+                  <a:schemeClr val="lt1"/>
+                </a:solidFill>
+                <a:latin typeface="+mn-lt"/>
+                <a:ea typeface="+mn-ea"/>
+                <a:cs typeface="+mn-cs"/>
+              </a:defRPr>
+            </a:lvl3pPr>
+            <a:lvl4pPr marL="1371600" algn="l" defTabSz="914400" rtl="0" eaLnBrk="1" latinLnBrk="1" hangingPunct="1">
+              <a:defRPr sz="1800" kern="1200">
+                <a:solidFill>
+                  <a:schemeClr val="lt1"/>
+                </a:solidFill>
+                <a:latin typeface="+mn-lt"/>
+                <a:ea typeface="+mn-ea"/>
+                <a:cs typeface="+mn-cs"/>
+              </a:defRPr>
+            </a:lvl4pPr>
+            <a:lvl5pPr marL="1828800" algn="l" defTabSz="914400" rtl="0" eaLnBrk="1" latinLnBrk="1" hangingPunct="1">
+              <a:defRPr sz="1800" kern="1200">
+                <a:solidFill>
+                  <a:schemeClr val="lt1"/>
+                </a:solidFill>
+                <a:latin typeface="+mn-lt"/>
+                <a:ea typeface="+mn-ea"/>
+                <a:cs typeface="+mn-cs"/>
+              </a:defRPr>
+            </a:lvl5pPr>
+            <a:lvl6pPr marL="2286000" algn="l" defTabSz="914400" rtl="0" eaLnBrk="1" latinLnBrk="1" hangingPunct="1">
+              <a:defRPr sz="1800" kern="1200">
+                <a:solidFill>
+                  <a:schemeClr val="lt1"/>
+                </a:solidFill>
+                <a:latin typeface="+mn-lt"/>
+                <a:ea typeface="+mn-ea"/>
+                <a:cs typeface="+mn-cs"/>
+              </a:defRPr>
+            </a:lvl6pPr>
+            <a:lvl7pPr marL="2743200" algn="l" defTabSz="914400" rtl="0" eaLnBrk="1" latinLnBrk="1" hangingPunct="1">
+              <a:defRPr sz="1800" kern="1200">
+                <a:solidFill>
+                  <a:schemeClr val="lt1"/>
+                </a:solidFill>
+                <a:latin typeface="+mn-lt"/>
+                <a:ea typeface="+mn-ea"/>
+                <a:cs typeface="+mn-cs"/>
+              </a:defRPr>
+            </a:lvl7pPr>
+            <a:lvl8pPr marL="3200400" algn="l" defTabSz="914400" rtl="0" eaLnBrk="1" latinLnBrk="1" hangingPunct="1">
+              <a:defRPr sz="1800" kern="1200">
+                <a:solidFill>
+                  <a:schemeClr val="lt1"/>
+                </a:solidFill>
+                <a:latin typeface="+mn-lt"/>
+                <a:ea typeface="+mn-ea"/>
+                <a:cs typeface="+mn-cs"/>
+              </a:defRPr>
+            </a:lvl8pPr>
+            <a:lvl9pPr marL="3657600" algn="l" defTabSz="914400" rtl="0" eaLnBrk="1" latinLnBrk="1" hangingPunct="1">
+              <a:defRPr sz="1800" kern="1200">
+                <a:solidFill>
+                  <a:schemeClr val="lt1"/>
+                </a:solidFill>
+                <a:latin typeface="+mn-lt"/>
+                <a:ea typeface="+mn-ea"/>
+                <a:cs typeface="+mn-cs"/>
+              </a:defRPr>
+            </a:lvl9pPr>
+          </a:lstStyle>
+          <a:p>
+            <a:r>
+              <a:rPr lang="en-US" altLang="ko-KR" sz="1400" dirty="0">
+                <a:solidFill>
+                  <a:prstClr val="black"/>
+                </a:solidFill>
+                <a:latin typeface="Courier New" pitchFamily="49" charset="0"/>
+                <a:ea typeface="맑은 고딕" pitchFamily="50" charset="-127"/>
+                <a:cs typeface="Courier New" pitchFamily="49" charset="0"/>
+              </a:rPr>
+              <a:t>1 	</a:t>
+            </a:r>
+            <a:r>
+              <a:rPr lang="en-US" altLang="ko-KR" sz="1400" dirty="0">
+                <a:solidFill>
+                  <a:srgbClr val="F79646">
+                    <a:lumMod val="75000"/>
+                  </a:srgbClr>
+                </a:solidFill>
+                <a:latin typeface="Courier New" pitchFamily="49" charset="0"/>
+                <a:ea typeface="맑은 고딕" pitchFamily="50" charset="-127"/>
+                <a:cs typeface="Courier New" pitchFamily="49" charset="0"/>
+              </a:rPr>
+              <a:t>#define </a:t>
+            </a:r>
+            <a:r>
+              <a:rPr lang="en-US" altLang="ko-KR" sz="1400" dirty="0">
+                <a:solidFill>
+                  <a:prstClr val="black"/>
+                </a:solidFill>
+                <a:latin typeface="Courier New" pitchFamily="49" charset="0"/>
+                <a:ea typeface="맑은 고딕" pitchFamily="50" charset="-127"/>
+                <a:cs typeface="Courier New" pitchFamily="49" charset="0"/>
+              </a:rPr>
+              <a:t>BUCKETS (</a:t>
+            </a:r>
+            <a:r>
+              <a:rPr lang="en-US" altLang="ko-KR" sz="1400" dirty="0">
+                <a:solidFill>
+                  <a:srgbClr val="FF0000"/>
+                </a:solidFill>
+                <a:latin typeface="Courier New" pitchFamily="49" charset="0"/>
+                <a:ea typeface="맑은 고딕" pitchFamily="50" charset="-127"/>
+                <a:cs typeface="Courier New" pitchFamily="49" charset="0"/>
+              </a:rPr>
+              <a:t>101</a:t>
+            </a:r>
+            <a:r>
+              <a:rPr lang="en-US" altLang="ko-KR" sz="1400" dirty="0">
+                <a:solidFill>
+                  <a:prstClr val="black"/>
+                </a:solidFill>
+                <a:latin typeface="Courier New" pitchFamily="49" charset="0"/>
+                <a:ea typeface="맑은 고딕" pitchFamily="50" charset="-127"/>
+                <a:cs typeface="Courier New" pitchFamily="49" charset="0"/>
+              </a:rPr>
+              <a:t>)</a:t>
+            </a:r>
+          </a:p>
+          <a:p>
+            <a:r>
+              <a:rPr lang="en-US" altLang="ko-KR" sz="1400" dirty="0">
+                <a:solidFill>
+                  <a:prstClr val="black"/>
+                </a:solidFill>
+                <a:latin typeface="Courier New" pitchFamily="49" charset="0"/>
+                <a:ea typeface="맑은 고딕" pitchFamily="50" charset="-127"/>
+                <a:cs typeface="Courier New" pitchFamily="49" charset="0"/>
+              </a:rPr>
+              <a:t>2</a:t>
+            </a:r>
+          </a:p>
+          <a:p>
+            <a:r>
+              <a:rPr lang="en-US" altLang="ko-KR" sz="1400" dirty="0">
+                <a:solidFill>
+                  <a:prstClr val="black"/>
+                </a:solidFill>
+                <a:latin typeface="Courier New" pitchFamily="49" charset="0"/>
+                <a:ea typeface="맑은 고딕" pitchFamily="50" charset="-127"/>
+                <a:cs typeface="Courier New" pitchFamily="49" charset="0"/>
+              </a:rPr>
+              <a:t>3 	</a:t>
+            </a:r>
+            <a:r>
+              <a:rPr lang="en-US" altLang="ko-KR" sz="1400" dirty="0" err="1">
+                <a:solidFill>
+                  <a:srgbClr val="00B050"/>
+                </a:solidFill>
+                <a:latin typeface="Courier New" pitchFamily="49" charset="0"/>
+                <a:ea typeface="맑은 고딕" pitchFamily="50" charset="-127"/>
+                <a:cs typeface="Courier New" pitchFamily="49" charset="0"/>
+              </a:rPr>
+              <a:t>typedef</a:t>
+            </a:r>
+            <a:r>
+              <a:rPr lang="en-US" altLang="ko-KR" sz="1400" dirty="0">
+                <a:solidFill>
+                  <a:srgbClr val="00B050"/>
+                </a:solidFill>
+                <a:latin typeface="Courier New" pitchFamily="49" charset="0"/>
+                <a:ea typeface="맑은 고딕" pitchFamily="50" charset="-127"/>
+                <a:cs typeface="Courier New" pitchFamily="49" charset="0"/>
+              </a:rPr>
+              <a:t> </a:t>
+            </a:r>
+            <a:r>
+              <a:rPr lang="en-US" altLang="ko-KR" sz="1400" dirty="0" err="1">
+                <a:solidFill>
+                  <a:srgbClr val="00B050"/>
+                </a:solidFill>
+                <a:latin typeface="Courier New" pitchFamily="49" charset="0"/>
+                <a:ea typeface="맑은 고딕" pitchFamily="50" charset="-127"/>
+                <a:cs typeface="Courier New" pitchFamily="49" charset="0"/>
+              </a:rPr>
+              <a:t>struct</a:t>
+            </a:r>
+            <a:r>
+              <a:rPr lang="en-US" altLang="ko-KR" sz="1400" dirty="0">
+                <a:solidFill>
+                  <a:srgbClr val="00B050"/>
+                </a:solidFill>
+                <a:latin typeface="Courier New" pitchFamily="49" charset="0"/>
+                <a:ea typeface="맑은 고딕" pitchFamily="50" charset="-127"/>
+                <a:cs typeface="Courier New" pitchFamily="49" charset="0"/>
+              </a:rPr>
+              <a:t> </a:t>
+            </a:r>
+            <a:r>
+              <a:rPr lang="en-US" altLang="ko-KR" sz="1400" dirty="0">
+                <a:solidFill>
+                  <a:prstClr val="black"/>
+                </a:solidFill>
+                <a:latin typeface="Courier New" pitchFamily="49" charset="0"/>
+                <a:ea typeface="맑은 고딕" pitchFamily="50" charset="-127"/>
+                <a:cs typeface="Courier New" pitchFamily="49" charset="0"/>
+              </a:rPr>
+              <a:t>__</a:t>
+            </a:r>
+            <a:r>
+              <a:rPr lang="en-US" altLang="ko-KR" sz="1400" dirty="0" err="1">
+                <a:solidFill>
+                  <a:prstClr val="black"/>
+                </a:solidFill>
+                <a:latin typeface="Courier New" pitchFamily="49" charset="0"/>
+                <a:ea typeface="맑은 고딕" pitchFamily="50" charset="-127"/>
+                <a:cs typeface="Courier New" pitchFamily="49" charset="0"/>
+              </a:rPr>
+              <a:t>hash_t</a:t>
+            </a:r>
+            <a:r>
+              <a:rPr lang="en-US" altLang="ko-KR" sz="1400" dirty="0">
+                <a:solidFill>
+                  <a:prstClr val="black"/>
+                </a:solidFill>
+                <a:latin typeface="Courier New" pitchFamily="49" charset="0"/>
+                <a:ea typeface="맑은 고딕" pitchFamily="50" charset="-127"/>
+                <a:cs typeface="Courier New" pitchFamily="49" charset="0"/>
+              </a:rPr>
+              <a:t> {</a:t>
+            </a:r>
+          </a:p>
+          <a:p>
+            <a:r>
+              <a:rPr lang="en-US" altLang="ko-KR" sz="1400" dirty="0">
+                <a:solidFill>
+                  <a:prstClr val="black"/>
+                </a:solidFill>
+                <a:latin typeface="Courier New" pitchFamily="49" charset="0"/>
+                <a:ea typeface="맑은 고딕" pitchFamily="50" charset="-127"/>
+                <a:cs typeface="Courier New" pitchFamily="49" charset="0"/>
+              </a:rPr>
+              <a:t>4 		</a:t>
+            </a:r>
+            <a:r>
+              <a:rPr lang="en-US" altLang="ko-KR" sz="1400" dirty="0" err="1">
+                <a:solidFill>
+                  <a:prstClr val="black"/>
+                </a:solidFill>
+                <a:latin typeface="Courier New" pitchFamily="49" charset="0"/>
+                <a:ea typeface="맑은 고딕" pitchFamily="50" charset="-127"/>
+                <a:cs typeface="Courier New" pitchFamily="49" charset="0"/>
+              </a:rPr>
+              <a:t>list_t</a:t>
+            </a:r>
+            <a:r>
+              <a:rPr lang="en-US" altLang="ko-KR" sz="1400" dirty="0">
+                <a:solidFill>
+                  <a:prstClr val="black"/>
+                </a:solidFill>
+                <a:latin typeface="Courier New" pitchFamily="49" charset="0"/>
+                <a:ea typeface="맑은 고딕" pitchFamily="50" charset="-127"/>
+                <a:cs typeface="Courier New" pitchFamily="49" charset="0"/>
+              </a:rPr>
+              <a:t> lists[BUCKETS];</a:t>
+            </a:r>
+          </a:p>
+          <a:p>
+            <a:r>
+              <a:rPr lang="en-US" altLang="ko-KR" sz="1400" dirty="0">
+                <a:solidFill>
+                  <a:prstClr val="black"/>
+                </a:solidFill>
+                <a:latin typeface="Courier New" pitchFamily="49" charset="0"/>
+                <a:ea typeface="맑은 고딕" pitchFamily="50" charset="-127"/>
+                <a:cs typeface="Courier New" pitchFamily="49" charset="0"/>
+              </a:rPr>
+              <a:t>5 	} </a:t>
+            </a:r>
+            <a:r>
+              <a:rPr lang="en-US" altLang="ko-KR" sz="1400" dirty="0" err="1">
+                <a:solidFill>
+                  <a:prstClr val="black"/>
+                </a:solidFill>
+                <a:latin typeface="Courier New" pitchFamily="49" charset="0"/>
+                <a:ea typeface="맑은 고딕" pitchFamily="50" charset="-127"/>
+                <a:cs typeface="Courier New" pitchFamily="49" charset="0"/>
+              </a:rPr>
+              <a:t>hash_t</a:t>
+            </a:r>
+            <a:r>
+              <a:rPr lang="en-US" altLang="ko-KR" sz="1400" dirty="0">
+                <a:solidFill>
+                  <a:prstClr val="black"/>
+                </a:solidFill>
+                <a:latin typeface="Courier New" pitchFamily="49" charset="0"/>
+                <a:ea typeface="맑은 고딕" pitchFamily="50" charset="-127"/>
+                <a:cs typeface="Courier New" pitchFamily="49" charset="0"/>
+              </a:rPr>
+              <a:t>;</a:t>
+            </a:r>
+          </a:p>
+          <a:p>
+            <a:r>
+              <a:rPr lang="en-US" altLang="ko-KR" sz="1400" dirty="0">
+                <a:solidFill>
+                  <a:prstClr val="black"/>
+                </a:solidFill>
+                <a:latin typeface="Courier New" pitchFamily="49" charset="0"/>
+                <a:ea typeface="맑은 고딕" pitchFamily="50" charset="-127"/>
+                <a:cs typeface="Courier New" pitchFamily="49" charset="0"/>
+              </a:rPr>
+              <a:t>6</a:t>
+            </a:r>
+          </a:p>
+          <a:p>
+            <a:r>
+              <a:rPr lang="en-US" altLang="ko-KR" sz="1400" dirty="0">
+                <a:solidFill>
+                  <a:prstClr val="black"/>
+                </a:solidFill>
+                <a:latin typeface="Courier New" pitchFamily="49" charset="0"/>
+                <a:ea typeface="맑은 고딕" pitchFamily="50" charset="-127"/>
+                <a:cs typeface="Courier New" pitchFamily="49" charset="0"/>
+              </a:rPr>
+              <a:t>7 	</a:t>
+            </a:r>
+            <a:r>
+              <a:rPr lang="en-US" altLang="ko-KR" sz="1400" dirty="0">
+                <a:solidFill>
+                  <a:srgbClr val="00B050"/>
+                </a:solidFill>
+                <a:latin typeface="Courier New" pitchFamily="49" charset="0"/>
+                <a:ea typeface="맑은 고딕" pitchFamily="50" charset="-127"/>
+                <a:cs typeface="Courier New" pitchFamily="49" charset="0"/>
+              </a:rPr>
+              <a:t>void </a:t>
+            </a:r>
+            <a:r>
+              <a:rPr lang="en-US" altLang="ko-KR" sz="1400" dirty="0" err="1">
+                <a:solidFill>
+                  <a:prstClr val="black"/>
+                </a:solidFill>
+                <a:latin typeface="Courier New" pitchFamily="49" charset="0"/>
+                <a:ea typeface="맑은 고딕" pitchFamily="50" charset="-127"/>
+                <a:cs typeface="Courier New" pitchFamily="49" charset="0"/>
+              </a:rPr>
+              <a:t>Hash_Init</a:t>
+            </a:r>
+            <a:r>
+              <a:rPr lang="en-US" altLang="ko-KR" sz="1400" dirty="0">
+                <a:solidFill>
+                  <a:prstClr val="black"/>
+                </a:solidFill>
+                <a:latin typeface="Courier New" pitchFamily="49" charset="0"/>
+                <a:ea typeface="맑은 고딕" pitchFamily="50" charset="-127"/>
+                <a:cs typeface="Courier New" pitchFamily="49" charset="0"/>
+              </a:rPr>
+              <a:t>(</a:t>
+            </a:r>
+            <a:r>
+              <a:rPr lang="en-US" altLang="ko-KR" sz="1400" dirty="0" err="1">
+                <a:solidFill>
+                  <a:prstClr val="black"/>
+                </a:solidFill>
+                <a:latin typeface="Courier New" pitchFamily="49" charset="0"/>
+                <a:ea typeface="맑은 고딕" pitchFamily="50" charset="-127"/>
+                <a:cs typeface="Courier New" pitchFamily="49" charset="0"/>
+              </a:rPr>
+              <a:t>hash_t</a:t>
+            </a:r>
+            <a:r>
+              <a:rPr lang="en-US" altLang="ko-KR" sz="1400" dirty="0">
+                <a:solidFill>
+                  <a:prstClr val="black"/>
+                </a:solidFill>
+                <a:latin typeface="Courier New" pitchFamily="49" charset="0"/>
+                <a:ea typeface="맑은 고딕" pitchFamily="50" charset="-127"/>
+                <a:cs typeface="Courier New" pitchFamily="49" charset="0"/>
+              </a:rPr>
+              <a:t> *H) {</a:t>
+            </a:r>
+          </a:p>
+          <a:p>
+            <a:r>
+              <a:rPr lang="en-US" altLang="ko-KR" sz="1400" dirty="0">
+                <a:solidFill>
+                  <a:prstClr val="black"/>
+                </a:solidFill>
+                <a:latin typeface="Courier New" pitchFamily="49" charset="0"/>
+                <a:ea typeface="맑은 고딕" pitchFamily="50" charset="-127"/>
+                <a:cs typeface="Courier New" pitchFamily="49" charset="0"/>
+              </a:rPr>
+              <a:t>8 		</a:t>
+            </a:r>
+            <a:r>
+              <a:rPr lang="en-US" altLang="ko-KR" sz="1400" dirty="0" err="1">
+                <a:solidFill>
+                  <a:srgbClr val="00B050"/>
+                </a:solidFill>
+                <a:latin typeface="Courier New" pitchFamily="49" charset="0"/>
+                <a:ea typeface="맑은 고딕" pitchFamily="50" charset="-127"/>
+                <a:cs typeface="Courier New" pitchFamily="49" charset="0"/>
+              </a:rPr>
+              <a:t>int</a:t>
+            </a:r>
+            <a:r>
+              <a:rPr lang="en-US" altLang="ko-KR" sz="1400" dirty="0">
+                <a:solidFill>
+                  <a:prstClr val="black"/>
+                </a:solidFill>
+                <a:latin typeface="Courier New" pitchFamily="49" charset="0"/>
+                <a:ea typeface="맑은 고딕" pitchFamily="50" charset="-127"/>
+                <a:cs typeface="Courier New" pitchFamily="49" charset="0"/>
+              </a:rPr>
+              <a:t> </a:t>
+            </a:r>
+            <a:r>
+              <a:rPr lang="en-US" altLang="ko-KR" sz="1400" dirty="0" err="1">
+                <a:solidFill>
+                  <a:prstClr val="black"/>
+                </a:solidFill>
+                <a:latin typeface="Courier New" pitchFamily="49" charset="0"/>
+                <a:ea typeface="맑은 고딕" pitchFamily="50" charset="-127"/>
+                <a:cs typeface="Courier New" pitchFamily="49" charset="0"/>
+              </a:rPr>
+              <a:t>i</a:t>
+            </a:r>
+            <a:r>
+              <a:rPr lang="en-US" altLang="ko-KR" sz="1400" dirty="0">
+                <a:solidFill>
+                  <a:prstClr val="black"/>
+                </a:solidFill>
+                <a:latin typeface="Courier New" pitchFamily="49" charset="0"/>
+                <a:ea typeface="맑은 고딕" pitchFamily="50" charset="-127"/>
+                <a:cs typeface="Courier New" pitchFamily="49" charset="0"/>
+              </a:rPr>
+              <a:t>;</a:t>
+            </a:r>
+          </a:p>
+          <a:p>
+            <a:r>
+              <a:rPr lang="en-US" altLang="ko-KR" sz="1400" dirty="0">
+                <a:solidFill>
+                  <a:prstClr val="black"/>
+                </a:solidFill>
+                <a:latin typeface="Courier New" pitchFamily="49" charset="0"/>
+                <a:ea typeface="맑은 고딕" pitchFamily="50" charset="-127"/>
+                <a:cs typeface="Courier New" pitchFamily="49" charset="0"/>
+              </a:rPr>
+              <a:t>9 		</a:t>
+            </a:r>
+            <a:r>
+              <a:rPr lang="en-US" altLang="ko-KR" sz="1400" dirty="0">
+                <a:solidFill>
+                  <a:srgbClr val="F79646">
+                    <a:lumMod val="75000"/>
+                  </a:srgbClr>
+                </a:solidFill>
+                <a:latin typeface="Courier New" pitchFamily="49" charset="0"/>
+                <a:ea typeface="맑은 고딕" pitchFamily="50" charset="-127"/>
+                <a:cs typeface="Courier New" pitchFamily="49" charset="0"/>
+              </a:rPr>
+              <a:t>for </a:t>
+            </a:r>
+            <a:r>
+              <a:rPr lang="en-US" altLang="ko-KR" sz="1400" dirty="0">
+                <a:solidFill>
+                  <a:prstClr val="black"/>
+                </a:solidFill>
+                <a:latin typeface="Courier New" pitchFamily="49" charset="0"/>
+                <a:ea typeface="맑은 고딕" pitchFamily="50" charset="-127"/>
+                <a:cs typeface="Courier New" pitchFamily="49" charset="0"/>
+              </a:rPr>
+              <a:t>(</a:t>
+            </a:r>
+            <a:r>
+              <a:rPr lang="en-US" altLang="ko-KR" sz="1400" dirty="0" err="1">
+                <a:solidFill>
+                  <a:prstClr val="black"/>
+                </a:solidFill>
+                <a:latin typeface="Courier New" pitchFamily="49" charset="0"/>
+                <a:ea typeface="맑은 고딕" pitchFamily="50" charset="-127"/>
+                <a:cs typeface="Courier New" pitchFamily="49" charset="0"/>
+              </a:rPr>
+              <a:t>i</a:t>
+            </a:r>
+            <a:r>
+              <a:rPr lang="en-US" altLang="ko-KR" sz="1400" dirty="0">
+                <a:solidFill>
+                  <a:prstClr val="black"/>
+                </a:solidFill>
+                <a:latin typeface="Courier New" pitchFamily="49" charset="0"/>
+                <a:ea typeface="맑은 고딕" pitchFamily="50" charset="-127"/>
+                <a:cs typeface="Courier New" pitchFamily="49" charset="0"/>
+              </a:rPr>
+              <a:t> = </a:t>
+            </a:r>
+            <a:r>
+              <a:rPr lang="en-US" altLang="ko-KR" sz="1400" dirty="0">
+                <a:solidFill>
+                  <a:srgbClr val="FF0000"/>
+                </a:solidFill>
+                <a:latin typeface="Courier New" pitchFamily="49" charset="0"/>
+                <a:ea typeface="맑은 고딕" pitchFamily="50" charset="-127"/>
+                <a:cs typeface="Courier New" pitchFamily="49" charset="0"/>
+              </a:rPr>
+              <a:t>0</a:t>
+            </a:r>
+            <a:r>
+              <a:rPr lang="en-US" altLang="ko-KR" sz="1400" dirty="0">
+                <a:solidFill>
+                  <a:prstClr val="black"/>
+                </a:solidFill>
+                <a:latin typeface="Courier New" pitchFamily="49" charset="0"/>
+                <a:ea typeface="맑은 고딕" pitchFamily="50" charset="-127"/>
+                <a:cs typeface="Courier New" pitchFamily="49" charset="0"/>
+              </a:rPr>
+              <a:t>; </a:t>
+            </a:r>
+            <a:r>
+              <a:rPr lang="en-US" altLang="ko-KR" sz="1400" dirty="0" err="1">
+                <a:solidFill>
+                  <a:prstClr val="black"/>
+                </a:solidFill>
+                <a:latin typeface="Courier New" pitchFamily="49" charset="0"/>
+                <a:ea typeface="맑은 고딕" pitchFamily="50" charset="-127"/>
+                <a:cs typeface="Courier New" pitchFamily="49" charset="0"/>
+              </a:rPr>
+              <a:t>i</a:t>
+            </a:r>
+            <a:r>
+              <a:rPr lang="en-US" altLang="ko-KR" sz="1400" dirty="0">
+                <a:solidFill>
+                  <a:prstClr val="black"/>
+                </a:solidFill>
+                <a:latin typeface="Courier New" pitchFamily="49" charset="0"/>
+                <a:ea typeface="맑은 고딕" pitchFamily="50" charset="-127"/>
+                <a:cs typeface="Courier New" pitchFamily="49" charset="0"/>
+              </a:rPr>
+              <a:t> &lt; BUCKETS; </a:t>
+            </a:r>
+            <a:r>
+              <a:rPr lang="en-US" altLang="ko-KR" sz="1400" dirty="0" err="1">
+                <a:solidFill>
+                  <a:prstClr val="black"/>
+                </a:solidFill>
+                <a:latin typeface="Courier New" pitchFamily="49" charset="0"/>
+                <a:ea typeface="맑은 고딕" pitchFamily="50" charset="-127"/>
+                <a:cs typeface="Courier New" pitchFamily="49" charset="0"/>
+              </a:rPr>
+              <a:t>i</a:t>
+            </a:r>
+            <a:r>
+              <a:rPr lang="en-US" altLang="ko-KR" sz="1400" dirty="0">
+                <a:solidFill>
+                  <a:prstClr val="black"/>
+                </a:solidFill>
+                <a:latin typeface="Courier New" pitchFamily="49" charset="0"/>
+                <a:ea typeface="맑은 고딕" pitchFamily="50" charset="-127"/>
+                <a:cs typeface="Courier New" pitchFamily="49" charset="0"/>
+              </a:rPr>
+              <a:t>++) {</a:t>
+            </a:r>
+          </a:p>
+          <a:p>
+            <a:r>
+              <a:rPr lang="en-US" altLang="ko-KR" sz="1400" dirty="0">
+                <a:solidFill>
+                  <a:prstClr val="black"/>
+                </a:solidFill>
+                <a:latin typeface="Courier New" pitchFamily="49" charset="0"/>
+                <a:ea typeface="맑은 고딕" pitchFamily="50" charset="-127"/>
+                <a:cs typeface="Courier New" pitchFamily="49" charset="0"/>
+              </a:rPr>
+              <a:t>10 			</a:t>
+            </a:r>
+            <a:r>
+              <a:rPr lang="en-US" altLang="ko-KR" sz="1400" dirty="0" err="1">
+                <a:solidFill>
+                  <a:prstClr val="black"/>
+                </a:solidFill>
+                <a:latin typeface="Courier New" pitchFamily="49" charset="0"/>
+                <a:ea typeface="맑은 고딕" pitchFamily="50" charset="-127"/>
+                <a:cs typeface="Courier New" pitchFamily="49" charset="0"/>
+              </a:rPr>
+              <a:t>List_Init</a:t>
+            </a:r>
+            <a:r>
+              <a:rPr lang="en-US" altLang="ko-KR" sz="1400" dirty="0">
+                <a:solidFill>
+                  <a:prstClr val="black"/>
+                </a:solidFill>
+                <a:latin typeface="Courier New" pitchFamily="49" charset="0"/>
+                <a:ea typeface="맑은 고딕" pitchFamily="50" charset="-127"/>
+                <a:cs typeface="Courier New" pitchFamily="49" charset="0"/>
+              </a:rPr>
+              <a:t>(&amp;H-&gt;lists[</a:t>
+            </a:r>
+            <a:r>
+              <a:rPr lang="en-US" altLang="ko-KR" sz="1400" dirty="0" err="1">
+                <a:solidFill>
+                  <a:prstClr val="black"/>
+                </a:solidFill>
+                <a:latin typeface="Courier New" pitchFamily="49" charset="0"/>
+                <a:ea typeface="맑은 고딕" pitchFamily="50" charset="-127"/>
+                <a:cs typeface="Courier New" pitchFamily="49" charset="0"/>
+              </a:rPr>
+              <a:t>i</a:t>
+            </a:r>
+            <a:r>
+              <a:rPr lang="en-US" altLang="ko-KR" sz="1400" dirty="0">
+                <a:solidFill>
+                  <a:prstClr val="black"/>
+                </a:solidFill>
+                <a:latin typeface="Courier New" pitchFamily="49" charset="0"/>
+                <a:ea typeface="맑은 고딕" pitchFamily="50" charset="-127"/>
+                <a:cs typeface="Courier New" pitchFamily="49" charset="0"/>
+              </a:rPr>
+              <a:t>]);</a:t>
+            </a:r>
+          </a:p>
+          <a:p>
+            <a:r>
+              <a:rPr lang="en-US" altLang="ko-KR" sz="1400" dirty="0">
+                <a:solidFill>
+                  <a:prstClr val="black"/>
+                </a:solidFill>
+                <a:latin typeface="Courier New" pitchFamily="49" charset="0"/>
+                <a:ea typeface="맑은 고딕" pitchFamily="50" charset="-127"/>
+                <a:cs typeface="Courier New" pitchFamily="49" charset="0"/>
+              </a:rPr>
+              <a:t>11 		}</a:t>
+            </a:r>
+          </a:p>
+          <a:p>
+            <a:r>
+              <a:rPr lang="en-US" altLang="ko-KR" sz="1400" dirty="0">
+                <a:solidFill>
+                  <a:prstClr val="black"/>
+                </a:solidFill>
+                <a:latin typeface="Courier New" pitchFamily="49" charset="0"/>
+                <a:ea typeface="맑은 고딕" pitchFamily="50" charset="-127"/>
+                <a:cs typeface="Courier New" pitchFamily="49" charset="0"/>
+              </a:rPr>
+              <a:t>12 	}</a:t>
+            </a:r>
+          </a:p>
+          <a:p>
+            <a:r>
+              <a:rPr lang="en-US" altLang="ko-KR" sz="1400" dirty="0">
+                <a:solidFill>
+                  <a:prstClr val="black"/>
+                </a:solidFill>
+                <a:latin typeface="Courier New" pitchFamily="49" charset="0"/>
+                <a:ea typeface="맑은 고딕" pitchFamily="50" charset="-127"/>
+                <a:cs typeface="Courier New" pitchFamily="49" charset="0"/>
+              </a:rPr>
+              <a:t>13</a:t>
+            </a:r>
+          </a:p>
+          <a:p>
+            <a:r>
+              <a:rPr lang="en-US" altLang="ko-KR" sz="1400" dirty="0">
+                <a:solidFill>
+                  <a:prstClr val="black"/>
+                </a:solidFill>
+                <a:latin typeface="Courier New" pitchFamily="49" charset="0"/>
+                <a:ea typeface="맑은 고딕" pitchFamily="50" charset="-127"/>
+                <a:cs typeface="Courier New" pitchFamily="49" charset="0"/>
+              </a:rPr>
+              <a:t>14 	</a:t>
+            </a:r>
+            <a:r>
+              <a:rPr lang="en-US" altLang="ko-KR" sz="1400" dirty="0" err="1">
+                <a:solidFill>
+                  <a:srgbClr val="00B050"/>
+                </a:solidFill>
+                <a:latin typeface="Courier New" pitchFamily="49" charset="0"/>
+                <a:ea typeface="맑은 고딕" pitchFamily="50" charset="-127"/>
+                <a:cs typeface="Courier New" pitchFamily="49" charset="0"/>
+              </a:rPr>
+              <a:t>int</a:t>
+            </a:r>
+            <a:r>
+              <a:rPr lang="en-US" altLang="ko-KR" sz="1400" dirty="0">
+                <a:solidFill>
+                  <a:prstClr val="black"/>
+                </a:solidFill>
+                <a:latin typeface="Courier New" pitchFamily="49" charset="0"/>
+                <a:ea typeface="맑은 고딕" pitchFamily="50" charset="-127"/>
+                <a:cs typeface="Courier New" pitchFamily="49" charset="0"/>
+              </a:rPr>
+              <a:t> </a:t>
+            </a:r>
+            <a:r>
+              <a:rPr lang="en-US" altLang="ko-KR" sz="1400" dirty="0" err="1">
+                <a:solidFill>
+                  <a:prstClr val="black"/>
+                </a:solidFill>
+                <a:latin typeface="Courier New" pitchFamily="49" charset="0"/>
+                <a:ea typeface="맑은 고딕" pitchFamily="50" charset="-127"/>
+                <a:cs typeface="Courier New" pitchFamily="49" charset="0"/>
+              </a:rPr>
+              <a:t>Hash_Insert</a:t>
+            </a:r>
+            <a:r>
+              <a:rPr lang="en-US" altLang="ko-KR" sz="1400" dirty="0">
+                <a:solidFill>
+                  <a:prstClr val="black"/>
+                </a:solidFill>
+                <a:latin typeface="Courier New" pitchFamily="49" charset="0"/>
+                <a:ea typeface="맑은 고딕" pitchFamily="50" charset="-127"/>
+                <a:cs typeface="Courier New" pitchFamily="49" charset="0"/>
+              </a:rPr>
+              <a:t>(</a:t>
+            </a:r>
+            <a:r>
+              <a:rPr lang="en-US" altLang="ko-KR" sz="1400" dirty="0" err="1">
+                <a:solidFill>
+                  <a:prstClr val="black"/>
+                </a:solidFill>
+                <a:latin typeface="Courier New" pitchFamily="49" charset="0"/>
+                <a:ea typeface="맑은 고딕" pitchFamily="50" charset="-127"/>
+                <a:cs typeface="Courier New" pitchFamily="49" charset="0"/>
+              </a:rPr>
+              <a:t>hash_t</a:t>
+            </a:r>
+            <a:r>
+              <a:rPr lang="en-US" altLang="ko-KR" sz="1400" dirty="0">
+                <a:solidFill>
+                  <a:prstClr val="black"/>
+                </a:solidFill>
+                <a:latin typeface="Courier New" pitchFamily="49" charset="0"/>
+                <a:ea typeface="맑은 고딕" pitchFamily="50" charset="-127"/>
+                <a:cs typeface="Courier New" pitchFamily="49" charset="0"/>
+              </a:rPr>
+              <a:t> *H, </a:t>
+            </a:r>
+            <a:r>
+              <a:rPr lang="en-US" altLang="ko-KR" sz="1400" dirty="0" err="1">
+                <a:solidFill>
+                  <a:srgbClr val="00B050"/>
+                </a:solidFill>
+                <a:latin typeface="Courier New" pitchFamily="49" charset="0"/>
+                <a:ea typeface="맑은 고딕" pitchFamily="50" charset="-127"/>
+                <a:cs typeface="Courier New" pitchFamily="49" charset="0"/>
+              </a:rPr>
+              <a:t>int</a:t>
+            </a:r>
+            <a:r>
+              <a:rPr lang="en-US" altLang="ko-KR" sz="1400" dirty="0">
+                <a:solidFill>
+                  <a:prstClr val="black"/>
+                </a:solidFill>
+                <a:latin typeface="Courier New" pitchFamily="49" charset="0"/>
+                <a:ea typeface="맑은 고딕" pitchFamily="50" charset="-127"/>
+                <a:cs typeface="Courier New" pitchFamily="49" charset="0"/>
+              </a:rPr>
+              <a:t> key) {</a:t>
+            </a:r>
+          </a:p>
+          <a:p>
+            <a:r>
+              <a:rPr lang="en-US" altLang="ko-KR" sz="1400" dirty="0">
+                <a:solidFill>
+                  <a:prstClr val="black"/>
+                </a:solidFill>
+                <a:latin typeface="Courier New" pitchFamily="49" charset="0"/>
+                <a:ea typeface="맑은 고딕" pitchFamily="50" charset="-127"/>
+                <a:cs typeface="Courier New" pitchFamily="49" charset="0"/>
+              </a:rPr>
+              <a:t>15 		</a:t>
+            </a:r>
+            <a:r>
+              <a:rPr lang="en-US" altLang="ko-KR" sz="1400" dirty="0" err="1">
+                <a:solidFill>
+                  <a:srgbClr val="00B050"/>
+                </a:solidFill>
+                <a:latin typeface="Courier New" pitchFamily="49" charset="0"/>
+                <a:ea typeface="맑은 고딕" pitchFamily="50" charset="-127"/>
+                <a:cs typeface="Courier New" pitchFamily="49" charset="0"/>
+              </a:rPr>
+              <a:t>int</a:t>
+            </a:r>
+            <a:r>
+              <a:rPr lang="en-US" altLang="ko-KR" sz="1400" dirty="0">
+                <a:solidFill>
+                  <a:prstClr val="black"/>
+                </a:solidFill>
+                <a:latin typeface="Courier New" pitchFamily="49" charset="0"/>
+                <a:ea typeface="맑은 고딕" pitchFamily="50" charset="-127"/>
+                <a:cs typeface="Courier New" pitchFamily="49" charset="0"/>
+              </a:rPr>
+              <a:t> bucket = key % BUCKETS;</a:t>
+            </a:r>
+          </a:p>
+          <a:p>
+            <a:r>
+              <a:rPr lang="en-US" altLang="ko-KR" sz="1400" dirty="0">
+                <a:solidFill>
+                  <a:prstClr val="black"/>
+                </a:solidFill>
+                <a:latin typeface="Courier New" pitchFamily="49" charset="0"/>
+                <a:ea typeface="맑은 고딕" pitchFamily="50" charset="-127"/>
+                <a:cs typeface="Courier New" pitchFamily="49" charset="0"/>
+              </a:rPr>
+              <a:t>16 		</a:t>
+            </a:r>
+            <a:r>
+              <a:rPr lang="en-US" altLang="ko-KR" sz="1400" dirty="0">
+                <a:solidFill>
+                  <a:srgbClr val="F79646">
+                    <a:lumMod val="75000"/>
+                  </a:srgbClr>
+                </a:solidFill>
+                <a:latin typeface="Courier New" pitchFamily="49" charset="0"/>
+                <a:ea typeface="맑은 고딕" pitchFamily="50" charset="-127"/>
+                <a:cs typeface="Courier New" pitchFamily="49" charset="0"/>
+              </a:rPr>
+              <a:t>return</a:t>
+            </a:r>
+            <a:r>
+              <a:rPr lang="en-US" altLang="ko-KR" sz="1400" dirty="0">
+                <a:solidFill>
+                  <a:prstClr val="black"/>
+                </a:solidFill>
+                <a:latin typeface="Courier New" pitchFamily="49" charset="0"/>
+                <a:ea typeface="맑은 고딕" pitchFamily="50" charset="-127"/>
+                <a:cs typeface="Courier New" pitchFamily="49" charset="0"/>
+              </a:rPr>
+              <a:t> </a:t>
+            </a:r>
+            <a:r>
+              <a:rPr lang="en-US" altLang="ko-KR" sz="1400" dirty="0" err="1">
+                <a:solidFill>
+                  <a:prstClr val="black"/>
+                </a:solidFill>
+                <a:latin typeface="Courier New" pitchFamily="49" charset="0"/>
+                <a:ea typeface="맑은 고딕" pitchFamily="50" charset="-127"/>
+                <a:cs typeface="Courier New" pitchFamily="49" charset="0"/>
+              </a:rPr>
+              <a:t>List_Insert</a:t>
+            </a:r>
+            <a:r>
+              <a:rPr lang="en-US" altLang="ko-KR" sz="1400" dirty="0">
+                <a:solidFill>
+                  <a:prstClr val="black"/>
+                </a:solidFill>
+                <a:latin typeface="Courier New" pitchFamily="49" charset="0"/>
+                <a:ea typeface="맑은 고딕" pitchFamily="50" charset="-127"/>
+                <a:cs typeface="Courier New" pitchFamily="49" charset="0"/>
+              </a:rPr>
+              <a:t>(&amp;H-&gt;lists[bucket], key);</a:t>
+            </a:r>
+          </a:p>
+          <a:p>
+            <a:r>
+              <a:rPr lang="en-US" altLang="ko-KR" sz="1400" dirty="0">
+                <a:solidFill>
+                  <a:prstClr val="black"/>
+                </a:solidFill>
+                <a:latin typeface="Courier New" pitchFamily="49" charset="0"/>
+                <a:ea typeface="맑은 고딕" pitchFamily="50" charset="-127"/>
+                <a:cs typeface="Courier New" pitchFamily="49" charset="0"/>
+              </a:rPr>
+              <a:t>17 	}</a:t>
+            </a:r>
+          </a:p>
+          <a:p>
+            <a:r>
+              <a:rPr lang="en-US" altLang="ko-KR" sz="1400" dirty="0">
+                <a:solidFill>
+                  <a:prstClr val="black"/>
+                </a:solidFill>
+                <a:latin typeface="Courier New" pitchFamily="49" charset="0"/>
+                <a:ea typeface="맑은 고딕" pitchFamily="50" charset="-127"/>
+                <a:cs typeface="Courier New" pitchFamily="49" charset="0"/>
+              </a:rPr>
+              <a:t>18</a:t>
+            </a:r>
+          </a:p>
+          <a:p>
+            <a:r>
+              <a:rPr lang="en-US" altLang="ko-KR" sz="1400" dirty="0">
+                <a:solidFill>
+                  <a:prstClr val="black"/>
+                </a:solidFill>
+                <a:latin typeface="Courier New" pitchFamily="49" charset="0"/>
+                <a:ea typeface="맑은 고딕" pitchFamily="50" charset="-127"/>
+                <a:cs typeface="Courier New" pitchFamily="49" charset="0"/>
+              </a:rPr>
+              <a:t>19 	</a:t>
+            </a:r>
+            <a:r>
+              <a:rPr lang="en-US" altLang="ko-KR" sz="1400" dirty="0" err="1">
+                <a:solidFill>
+                  <a:srgbClr val="00B050"/>
+                </a:solidFill>
+                <a:latin typeface="Courier New" pitchFamily="49" charset="0"/>
+                <a:ea typeface="맑은 고딕" pitchFamily="50" charset="-127"/>
+                <a:cs typeface="Courier New" pitchFamily="49" charset="0"/>
+              </a:rPr>
+              <a:t>int</a:t>
+            </a:r>
+            <a:r>
+              <a:rPr lang="en-US" altLang="ko-KR" sz="1400" dirty="0">
+                <a:solidFill>
+                  <a:prstClr val="black"/>
+                </a:solidFill>
+                <a:latin typeface="Courier New" pitchFamily="49" charset="0"/>
+                <a:ea typeface="맑은 고딕" pitchFamily="50" charset="-127"/>
+                <a:cs typeface="Courier New" pitchFamily="49" charset="0"/>
+              </a:rPr>
+              <a:t> </a:t>
+            </a:r>
+            <a:r>
+              <a:rPr lang="en-US" altLang="ko-KR" sz="1400" dirty="0" err="1">
+                <a:solidFill>
+                  <a:prstClr val="black"/>
+                </a:solidFill>
+                <a:latin typeface="Courier New" pitchFamily="49" charset="0"/>
+                <a:ea typeface="맑은 고딕" pitchFamily="50" charset="-127"/>
+                <a:cs typeface="Courier New" pitchFamily="49" charset="0"/>
+              </a:rPr>
+              <a:t>Hash_Lookup</a:t>
+            </a:r>
+            <a:r>
+              <a:rPr lang="en-US" altLang="ko-KR" sz="1400" dirty="0">
+                <a:solidFill>
+                  <a:prstClr val="black"/>
+                </a:solidFill>
+                <a:latin typeface="Courier New" pitchFamily="49" charset="0"/>
+                <a:ea typeface="맑은 고딕" pitchFamily="50" charset="-127"/>
+                <a:cs typeface="Courier New" pitchFamily="49" charset="0"/>
+              </a:rPr>
+              <a:t>(</a:t>
+            </a:r>
+            <a:r>
+              <a:rPr lang="en-US" altLang="ko-KR" sz="1400" dirty="0" err="1">
+                <a:solidFill>
+                  <a:prstClr val="black"/>
+                </a:solidFill>
+                <a:latin typeface="Courier New" pitchFamily="49" charset="0"/>
+                <a:ea typeface="맑은 고딕" pitchFamily="50" charset="-127"/>
+                <a:cs typeface="Courier New" pitchFamily="49" charset="0"/>
+              </a:rPr>
+              <a:t>hash_t</a:t>
+            </a:r>
+            <a:r>
+              <a:rPr lang="en-US" altLang="ko-KR" sz="1400" dirty="0">
+                <a:solidFill>
+                  <a:prstClr val="black"/>
+                </a:solidFill>
+                <a:latin typeface="Courier New" pitchFamily="49" charset="0"/>
+                <a:ea typeface="맑은 고딕" pitchFamily="50" charset="-127"/>
+                <a:cs typeface="Courier New" pitchFamily="49" charset="0"/>
+              </a:rPr>
+              <a:t> *H, </a:t>
+            </a:r>
+            <a:r>
+              <a:rPr lang="en-US" altLang="ko-KR" sz="1400" dirty="0" err="1">
+                <a:solidFill>
+                  <a:srgbClr val="00B050"/>
+                </a:solidFill>
+                <a:latin typeface="Courier New" pitchFamily="49" charset="0"/>
+                <a:ea typeface="맑은 고딕" pitchFamily="50" charset="-127"/>
+                <a:cs typeface="Courier New" pitchFamily="49" charset="0"/>
+              </a:rPr>
+              <a:t>int</a:t>
+            </a:r>
+            <a:r>
+              <a:rPr lang="en-US" altLang="ko-KR" sz="1400" dirty="0">
+                <a:solidFill>
+                  <a:prstClr val="black"/>
+                </a:solidFill>
+                <a:latin typeface="Courier New" pitchFamily="49" charset="0"/>
+                <a:ea typeface="맑은 고딕" pitchFamily="50" charset="-127"/>
+                <a:cs typeface="Courier New" pitchFamily="49" charset="0"/>
+              </a:rPr>
+              <a:t> key) {</a:t>
+            </a:r>
+          </a:p>
+          <a:p>
+            <a:r>
+              <a:rPr lang="en-US" altLang="ko-KR" sz="1400" dirty="0">
+                <a:solidFill>
+                  <a:prstClr val="black"/>
+                </a:solidFill>
+                <a:latin typeface="Courier New" pitchFamily="49" charset="0"/>
+                <a:ea typeface="맑은 고딕" pitchFamily="50" charset="-127"/>
+                <a:cs typeface="Courier New" pitchFamily="49" charset="0"/>
+              </a:rPr>
+              <a:t>20 		</a:t>
+            </a:r>
+            <a:r>
+              <a:rPr lang="en-US" altLang="ko-KR" sz="1400" dirty="0" err="1">
+                <a:solidFill>
+                  <a:srgbClr val="00B050"/>
+                </a:solidFill>
+                <a:latin typeface="Courier New" pitchFamily="49" charset="0"/>
+                <a:ea typeface="맑은 고딕" pitchFamily="50" charset="-127"/>
+                <a:cs typeface="Courier New" pitchFamily="49" charset="0"/>
+              </a:rPr>
+              <a:t>int</a:t>
+            </a:r>
+            <a:r>
+              <a:rPr lang="en-US" altLang="ko-KR" sz="1400" dirty="0">
+                <a:solidFill>
+                  <a:prstClr val="black"/>
+                </a:solidFill>
+                <a:latin typeface="Courier New" pitchFamily="49" charset="0"/>
+                <a:ea typeface="맑은 고딕" pitchFamily="50" charset="-127"/>
+                <a:cs typeface="Courier New" pitchFamily="49" charset="0"/>
+              </a:rPr>
+              <a:t> bucket = key % BUCKETS;</a:t>
+            </a:r>
+          </a:p>
+          <a:p>
+            <a:r>
+              <a:rPr lang="en-US" altLang="ko-KR" sz="1400" dirty="0">
+                <a:solidFill>
+                  <a:prstClr val="black"/>
+                </a:solidFill>
+                <a:latin typeface="Courier New" pitchFamily="49" charset="0"/>
+                <a:ea typeface="맑은 고딕" pitchFamily="50" charset="-127"/>
+                <a:cs typeface="Courier New" pitchFamily="49" charset="0"/>
+              </a:rPr>
+              <a:t>21 		</a:t>
+            </a:r>
+            <a:r>
+              <a:rPr lang="en-US" altLang="ko-KR" sz="1400" dirty="0">
+                <a:solidFill>
+                  <a:srgbClr val="F79646">
+                    <a:lumMod val="75000"/>
+                  </a:srgbClr>
+                </a:solidFill>
+                <a:latin typeface="Courier New" pitchFamily="49" charset="0"/>
+                <a:ea typeface="맑은 고딕" pitchFamily="50" charset="-127"/>
+                <a:cs typeface="Courier New" pitchFamily="49" charset="0"/>
+              </a:rPr>
+              <a:t>return</a:t>
+            </a:r>
+            <a:r>
+              <a:rPr lang="en-US" altLang="ko-KR" sz="1400" dirty="0">
+                <a:solidFill>
+                  <a:prstClr val="black"/>
+                </a:solidFill>
+                <a:latin typeface="Courier New" pitchFamily="49" charset="0"/>
+                <a:ea typeface="맑은 고딕" pitchFamily="50" charset="-127"/>
+                <a:cs typeface="Courier New" pitchFamily="49" charset="0"/>
+              </a:rPr>
+              <a:t> </a:t>
+            </a:r>
+            <a:r>
+              <a:rPr lang="en-US" altLang="ko-KR" sz="1400" dirty="0" err="1">
+                <a:solidFill>
+                  <a:prstClr val="black"/>
+                </a:solidFill>
+                <a:latin typeface="Courier New" pitchFamily="49" charset="0"/>
+                <a:ea typeface="맑은 고딕" pitchFamily="50" charset="-127"/>
+                <a:cs typeface="Courier New" pitchFamily="49" charset="0"/>
+              </a:rPr>
+              <a:t>List_Lookup</a:t>
+            </a:r>
+            <a:r>
+              <a:rPr lang="en-US" altLang="ko-KR" sz="1400" dirty="0">
+                <a:solidFill>
+                  <a:prstClr val="black"/>
+                </a:solidFill>
+                <a:latin typeface="Courier New" pitchFamily="49" charset="0"/>
+                <a:ea typeface="맑은 고딕" pitchFamily="50" charset="-127"/>
+                <a:cs typeface="Courier New" pitchFamily="49" charset="0"/>
+              </a:rPr>
+              <a:t>(&amp;H-&gt;lists[bucket], key);</a:t>
+            </a:r>
+          </a:p>
+          <a:p>
+            <a:r>
+              <a:rPr lang="en-US" altLang="ko-KR" sz="1400" dirty="0">
+                <a:solidFill>
+                  <a:prstClr val="black"/>
+                </a:solidFill>
+                <a:latin typeface="Courier New" pitchFamily="49" charset="0"/>
+                <a:ea typeface="맑은 고딕" pitchFamily="50" charset="-127"/>
+                <a:cs typeface="Courier New" pitchFamily="49" charset="0"/>
+              </a:rPr>
+              <a:t>22 	}</a:t>
+            </a:r>
+          </a:p>
+        </p:txBody>
+      </p:sp>
+    </p:spTree>
+    <p:extLst>
+      <p:ext uri="{BB962C8B-B14F-4D97-AF65-F5344CB8AC3E}">
+        <p14:creationId xmlns:p14="http://schemas.microsoft.com/office/powerpoint/2010/main" val="2216897493"/>
+      </p:ext>
+    </p:extLst>
+  </p:cSld>
+  <p:clrMapOvr>
+    <a:masterClrMapping/>
+  </p:clrMapOvr>
+  <p:transition>
+    <p:zoom/>
+  </p:transition>
+</p:sld>
+</file>
+
+<file path=ppt/slides/slide31.xml><?xml version="1.0" encoding="utf-8"?>
 <p:sld xmlns:a="http://schemas.openxmlformats.org/drawingml/2006/main" xmlns:r="http://schemas.openxmlformats.org/officeDocument/2006/relationships" xmlns:p="http://schemas.openxmlformats.org/presentationml/2006/main">
   <p:cSld>
     <p:spTree>
@@ -18294,1221 +19489,6 @@
 </p:sld>
 </file>
 
-<file path=ppt/slides/slide31.xml><?xml version="1.0" encoding="utf-8"?>
-<p:sld xmlns:a="http://schemas.openxmlformats.org/drawingml/2006/main" xmlns:r="http://schemas.openxmlformats.org/officeDocument/2006/relationships" xmlns:p="http://schemas.openxmlformats.org/presentationml/2006/main">
-  <p:cSld>
-    <p:spTree>
-      <p:nvGrpSpPr>
-        <p:cNvPr id="1" name=""/>
-        <p:cNvGrpSpPr/>
-        <p:nvPr/>
-      </p:nvGrpSpPr>
-      <p:grpSpPr>
-        <a:xfrm>
-          <a:off x="0" y="0"/>
-          <a:ext cx="0" cy="0"/>
-          <a:chOff x="0" y="0"/>
-          <a:chExt cx="0" cy="0"/>
-        </a:xfrm>
-      </p:grpSpPr>
-      <p:sp>
-        <p:nvSpPr>
-          <p:cNvPr id="2" name="제목 1"/>
-          <p:cNvSpPr>
-            <a:spLocks noGrp="1"/>
-          </p:cNvSpPr>
-          <p:nvPr>
-            <p:ph type="title"/>
-          </p:nvPr>
-        </p:nvSpPr>
-        <p:spPr/>
-        <p:txBody>
-          <a:bodyPr/>
-          <a:lstStyle/>
-          <a:p>
-            <a:r>
-              <a:rPr lang="en-US" altLang="ko-KR" dirty="0"/>
-              <a:t>Concurrent Hash Table</a:t>
-            </a:r>
-            <a:endParaRPr lang="ko-KR" altLang="en-US" dirty="0"/>
-          </a:p>
-        </p:txBody>
-      </p:sp>
-      <p:sp>
-        <p:nvSpPr>
-          <p:cNvPr id="6" name="직사각형 5"/>
-          <p:cNvSpPr/>
-          <p:nvPr/>
-        </p:nvSpPr>
-        <p:spPr>
-          <a:xfrm>
-            <a:off x="2279576" y="1052736"/>
-            <a:ext cx="7632848" cy="4832092"/>
-          </a:xfrm>
-          <a:prstGeom prst="rect">
-            <a:avLst/>
-          </a:prstGeom>
-          <a:solidFill>
-            <a:schemeClr val="bg1"/>
-          </a:solidFill>
-          <a:ln w="12700">
-            <a:solidFill>
-              <a:schemeClr val="tx1"/>
-            </a:solidFill>
-          </a:ln>
-          <a:effectLst/>
-        </p:spPr>
-        <p:style>
-          <a:lnRef idx="3">
-            <a:schemeClr val="lt1"/>
-          </a:lnRef>
-          <a:fillRef idx="1">
-            <a:schemeClr val="accent1"/>
-          </a:fillRef>
-          <a:effectRef idx="1">
-            <a:schemeClr val="accent1"/>
-          </a:effectRef>
-          <a:fontRef idx="minor">
-            <a:schemeClr val="lt1"/>
-          </a:fontRef>
-        </p:style>
-        <p:txBody>
-          <a:bodyPr wrap="square" lIns="252000" rtlCol="0" anchor="ctr">
-            <a:spAutoFit/>
-          </a:bodyPr>
-          <a:lstStyle>
-            <a:defPPr>
-              <a:defRPr lang="ko-KR"/>
-            </a:defPPr>
-            <a:lvl1pPr marL="0" algn="l" defTabSz="914400" rtl="0" eaLnBrk="1" latinLnBrk="1" hangingPunct="1">
-              <a:defRPr sz="1800" kern="1200">
-                <a:solidFill>
-                  <a:schemeClr val="lt1"/>
-                </a:solidFill>
-                <a:latin typeface="+mn-lt"/>
-                <a:ea typeface="+mn-ea"/>
-                <a:cs typeface="+mn-cs"/>
-              </a:defRPr>
-            </a:lvl1pPr>
-            <a:lvl2pPr marL="457200" algn="l" defTabSz="914400" rtl="0" eaLnBrk="1" latinLnBrk="1" hangingPunct="1">
-              <a:defRPr sz="1800" kern="1200">
-                <a:solidFill>
-                  <a:schemeClr val="lt1"/>
-                </a:solidFill>
-                <a:latin typeface="+mn-lt"/>
-                <a:ea typeface="+mn-ea"/>
-                <a:cs typeface="+mn-cs"/>
-              </a:defRPr>
-            </a:lvl2pPr>
-            <a:lvl3pPr marL="914400" algn="l" defTabSz="914400" rtl="0" eaLnBrk="1" latinLnBrk="1" hangingPunct="1">
-              <a:defRPr sz="1800" kern="1200">
-                <a:solidFill>
-                  <a:schemeClr val="lt1"/>
-                </a:solidFill>
-                <a:latin typeface="+mn-lt"/>
-                <a:ea typeface="+mn-ea"/>
-                <a:cs typeface="+mn-cs"/>
-              </a:defRPr>
-            </a:lvl3pPr>
-            <a:lvl4pPr marL="1371600" algn="l" defTabSz="914400" rtl="0" eaLnBrk="1" latinLnBrk="1" hangingPunct="1">
-              <a:defRPr sz="1800" kern="1200">
-                <a:solidFill>
-                  <a:schemeClr val="lt1"/>
-                </a:solidFill>
-                <a:latin typeface="+mn-lt"/>
-                <a:ea typeface="+mn-ea"/>
-                <a:cs typeface="+mn-cs"/>
-              </a:defRPr>
-            </a:lvl4pPr>
-            <a:lvl5pPr marL="1828800" algn="l" defTabSz="914400" rtl="0" eaLnBrk="1" latinLnBrk="1" hangingPunct="1">
-              <a:defRPr sz="1800" kern="1200">
-                <a:solidFill>
-                  <a:schemeClr val="lt1"/>
-                </a:solidFill>
-                <a:latin typeface="+mn-lt"/>
-                <a:ea typeface="+mn-ea"/>
-                <a:cs typeface="+mn-cs"/>
-              </a:defRPr>
-            </a:lvl5pPr>
-            <a:lvl6pPr marL="2286000" algn="l" defTabSz="914400" rtl="0" eaLnBrk="1" latinLnBrk="1" hangingPunct="1">
-              <a:defRPr sz="1800" kern="1200">
-                <a:solidFill>
-                  <a:schemeClr val="lt1"/>
-                </a:solidFill>
-                <a:latin typeface="+mn-lt"/>
-                <a:ea typeface="+mn-ea"/>
-                <a:cs typeface="+mn-cs"/>
-              </a:defRPr>
-            </a:lvl6pPr>
-            <a:lvl7pPr marL="2743200" algn="l" defTabSz="914400" rtl="0" eaLnBrk="1" latinLnBrk="1" hangingPunct="1">
-              <a:defRPr sz="1800" kern="1200">
-                <a:solidFill>
-                  <a:schemeClr val="lt1"/>
-                </a:solidFill>
-                <a:latin typeface="+mn-lt"/>
-                <a:ea typeface="+mn-ea"/>
-                <a:cs typeface="+mn-cs"/>
-              </a:defRPr>
-            </a:lvl7pPr>
-            <a:lvl8pPr marL="3200400" algn="l" defTabSz="914400" rtl="0" eaLnBrk="1" latinLnBrk="1" hangingPunct="1">
-              <a:defRPr sz="1800" kern="1200">
-                <a:solidFill>
-                  <a:schemeClr val="lt1"/>
-                </a:solidFill>
-                <a:latin typeface="+mn-lt"/>
-                <a:ea typeface="+mn-ea"/>
-                <a:cs typeface="+mn-cs"/>
-              </a:defRPr>
-            </a:lvl8pPr>
-            <a:lvl9pPr marL="3657600" algn="l" defTabSz="914400" rtl="0" eaLnBrk="1" latinLnBrk="1" hangingPunct="1">
-              <a:defRPr sz="1800" kern="1200">
-                <a:solidFill>
-                  <a:schemeClr val="lt1"/>
-                </a:solidFill>
-                <a:latin typeface="+mn-lt"/>
-                <a:ea typeface="+mn-ea"/>
-                <a:cs typeface="+mn-cs"/>
-              </a:defRPr>
-            </a:lvl9pPr>
-          </a:lstStyle>
-          <a:p>
-            <a:r>
-              <a:rPr lang="en-US" altLang="ko-KR" sz="1400" dirty="0">
-                <a:solidFill>
-                  <a:prstClr val="black"/>
-                </a:solidFill>
-                <a:latin typeface="Courier New" pitchFamily="49" charset="0"/>
-                <a:ea typeface="맑은 고딕" pitchFamily="50" charset="-127"/>
-                <a:cs typeface="Courier New" pitchFamily="49" charset="0"/>
-              </a:rPr>
-              <a:t>1 	</a:t>
-            </a:r>
-            <a:r>
-              <a:rPr lang="en-US" altLang="ko-KR" sz="1400" dirty="0">
-                <a:solidFill>
-                  <a:srgbClr val="F79646">
-                    <a:lumMod val="75000"/>
-                  </a:srgbClr>
-                </a:solidFill>
-                <a:latin typeface="Courier New" pitchFamily="49" charset="0"/>
-                <a:ea typeface="맑은 고딕" pitchFamily="50" charset="-127"/>
-                <a:cs typeface="Courier New" pitchFamily="49" charset="0"/>
-              </a:rPr>
-              <a:t>#define </a:t>
-            </a:r>
-            <a:r>
-              <a:rPr lang="en-US" altLang="ko-KR" sz="1400" dirty="0">
-                <a:solidFill>
-                  <a:prstClr val="black"/>
-                </a:solidFill>
-                <a:latin typeface="Courier New" pitchFamily="49" charset="0"/>
-                <a:ea typeface="맑은 고딕" pitchFamily="50" charset="-127"/>
-                <a:cs typeface="Courier New" pitchFamily="49" charset="0"/>
-              </a:rPr>
-              <a:t>BUCKETS (</a:t>
-            </a:r>
-            <a:r>
-              <a:rPr lang="en-US" altLang="ko-KR" sz="1400" dirty="0">
-                <a:solidFill>
-                  <a:srgbClr val="FF0000"/>
-                </a:solidFill>
-                <a:latin typeface="Courier New" pitchFamily="49" charset="0"/>
-                <a:ea typeface="맑은 고딕" pitchFamily="50" charset="-127"/>
-                <a:cs typeface="Courier New" pitchFamily="49" charset="0"/>
-              </a:rPr>
-              <a:t>101</a:t>
-            </a:r>
-            <a:r>
-              <a:rPr lang="en-US" altLang="ko-KR" sz="1400" dirty="0">
-                <a:solidFill>
-                  <a:prstClr val="black"/>
-                </a:solidFill>
-                <a:latin typeface="Courier New" pitchFamily="49" charset="0"/>
-                <a:ea typeface="맑은 고딕" pitchFamily="50" charset="-127"/>
-                <a:cs typeface="Courier New" pitchFamily="49" charset="0"/>
-              </a:rPr>
-              <a:t>)</a:t>
-            </a:r>
-          </a:p>
-          <a:p>
-            <a:r>
-              <a:rPr lang="en-US" altLang="ko-KR" sz="1400" dirty="0">
-                <a:solidFill>
-                  <a:prstClr val="black"/>
-                </a:solidFill>
-                <a:latin typeface="Courier New" pitchFamily="49" charset="0"/>
-                <a:ea typeface="맑은 고딕" pitchFamily="50" charset="-127"/>
-                <a:cs typeface="Courier New" pitchFamily="49" charset="0"/>
-              </a:rPr>
-              <a:t>2</a:t>
-            </a:r>
-          </a:p>
-          <a:p>
-            <a:r>
-              <a:rPr lang="en-US" altLang="ko-KR" sz="1400" dirty="0">
-                <a:solidFill>
-                  <a:prstClr val="black"/>
-                </a:solidFill>
-                <a:latin typeface="Courier New" pitchFamily="49" charset="0"/>
-                <a:ea typeface="맑은 고딕" pitchFamily="50" charset="-127"/>
-                <a:cs typeface="Courier New" pitchFamily="49" charset="0"/>
-              </a:rPr>
-              <a:t>3 	</a:t>
-            </a:r>
-            <a:r>
-              <a:rPr lang="en-US" altLang="ko-KR" sz="1400" dirty="0" err="1">
-                <a:solidFill>
-                  <a:srgbClr val="00B050"/>
-                </a:solidFill>
-                <a:latin typeface="Courier New" pitchFamily="49" charset="0"/>
-                <a:ea typeface="맑은 고딕" pitchFamily="50" charset="-127"/>
-                <a:cs typeface="Courier New" pitchFamily="49" charset="0"/>
-              </a:rPr>
-              <a:t>typedef</a:t>
-            </a:r>
-            <a:r>
-              <a:rPr lang="en-US" altLang="ko-KR" sz="1400" dirty="0">
-                <a:solidFill>
-                  <a:srgbClr val="00B050"/>
-                </a:solidFill>
-                <a:latin typeface="Courier New" pitchFamily="49" charset="0"/>
-                <a:ea typeface="맑은 고딕" pitchFamily="50" charset="-127"/>
-                <a:cs typeface="Courier New" pitchFamily="49" charset="0"/>
-              </a:rPr>
-              <a:t> </a:t>
-            </a:r>
-            <a:r>
-              <a:rPr lang="en-US" altLang="ko-KR" sz="1400" dirty="0" err="1">
-                <a:solidFill>
-                  <a:srgbClr val="00B050"/>
-                </a:solidFill>
-                <a:latin typeface="Courier New" pitchFamily="49" charset="0"/>
-                <a:ea typeface="맑은 고딕" pitchFamily="50" charset="-127"/>
-                <a:cs typeface="Courier New" pitchFamily="49" charset="0"/>
-              </a:rPr>
-              <a:t>struct</a:t>
-            </a:r>
-            <a:r>
-              <a:rPr lang="en-US" altLang="ko-KR" sz="1400" dirty="0">
-                <a:solidFill>
-                  <a:srgbClr val="00B050"/>
-                </a:solidFill>
-                <a:latin typeface="Courier New" pitchFamily="49" charset="0"/>
-                <a:ea typeface="맑은 고딕" pitchFamily="50" charset="-127"/>
-                <a:cs typeface="Courier New" pitchFamily="49" charset="0"/>
-              </a:rPr>
-              <a:t> </a:t>
-            </a:r>
-            <a:r>
-              <a:rPr lang="en-US" altLang="ko-KR" sz="1400" dirty="0">
-                <a:solidFill>
-                  <a:prstClr val="black"/>
-                </a:solidFill>
-                <a:latin typeface="Courier New" pitchFamily="49" charset="0"/>
-                <a:ea typeface="맑은 고딕" pitchFamily="50" charset="-127"/>
-                <a:cs typeface="Courier New" pitchFamily="49" charset="0"/>
-              </a:rPr>
-              <a:t>__</a:t>
-            </a:r>
-            <a:r>
-              <a:rPr lang="en-US" altLang="ko-KR" sz="1400" dirty="0" err="1">
-                <a:solidFill>
-                  <a:prstClr val="black"/>
-                </a:solidFill>
-                <a:latin typeface="Courier New" pitchFamily="49" charset="0"/>
-                <a:ea typeface="맑은 고딕" pitchFamily="50" charset="-127"/>
-                <a:cs typeface="Courier New" pitchFamily="49" charset="0"/>
-              </a:rPr>
-              <a:t>hash_t</a:t>
-            </a:r>
-            <a:r>
-              <a:rPr lang="en-US" altLang="ko-KR" sz="1400" dirty="0">
-                <a:solidFill>
-                  <a:prstClr val="black"/>
-                </a:solidFill>
-                <a:latin typeface="Courier New" pitchFamily="49" charset="0"/>
-                <a:ea typeface="맑은 고딕" pitchFamily="50" charset="-127"/>
-                <a:cs typeface="Courier New" pitchFamily="49" charset="0"/>
-              </a:rPr>
-              <a:t> {</a:t>
-            </a:r>
-          </a:p>
-          <a:p>
-            <a:r>
-              <a:rPr lang="en-US" altLang="ko-KR" sz="1400" dirty="0">
-                <a:solidFill>
-                  <a:prstClr val="black"/>
-                </a:solidFill>
-                <a:latin typeface="Courier New" pitchFamily="49" charset="0"/>
-                <a:ea typeface="맑은 고딕" pitchFamily="50" charset="-127"/>
-                <a:cs typeface="Courier New" pitchFamily="49" charset="0"/>
-              </a:rPr>
-              <a:t>4 		</a:t>
-            </a:r>
-            <a:r>
-              <a:rPr lang="en-US" altLang="ko-KR" sz="1400" dirty="0" err="1">
-                <a:solidFill>
-                  <a:prstClr val="black"/>
-                </a:solidFill>
-                <a:latin typeface="Courier New" pitchFamily="49" charset="0"/>
-                <a:ea typeface="맑은 고딕" pitchFamily="50" charset="-127"/>
-                <a:cs typeface="Courier New" pitchFamily="49" charset="0"/>
-              </a:rPr>
-              <a:t>list_t</a:t>
-            </a:r>
-            <a:r>
-              <a:rPr lang="en-US" altLang="ko-KR" sz="1400" dirty="0">
-                <a:solidFill>
-                  <a:prstClr val="black"/>
-                </a:solidFill>
-                <a:latin typeface="Courier New" pitchFamily="49" charset="0"/>
-                <a:ea typeface="맑은 고딕" pitchFamily="50" charset="-127"/>
-                <a:cs typeface="Courier New" pitchFamily="49" charset="0"/>
-              </a:rPr>
-              <a:t> lists[BUCKETS];</a:t>
-            </a:r>
-          </a:p>
-          <a:p>
-            <a:r>
-              <a:rPr lang="en-US" altLang="ko-KR" sz="1400" dirty="0">
-                <a:solidFill>
-                  <a:prstClr val="black"/>
-                </a:solidFill>
-                <a:latin typeface="Courier New" pitchFamily="49" charset="0"/>
-                <a:ea typeface="맑은 고딕" pitchFamily="50" charset="-127"/>
-                <a:cs typeface="Courier New" pitchFamily="49" charset="0"/>
-              </a:rPr>
-              <a:t>5 	} </a:t>
-            </a:r>
-            <a:r>
-              <a:rPr lang="en-US" altLang="ko-KR" sz="1400" dirty="0" err="1">
-                <a:solidFill>
-                  <a:prstClr val="black"/>
-                </a:solidFill>
-                <a:latin typeface="Courier New" pitchFamily="49" charset="0"/>
-                <a:ea typeface="맑은 고딕" pitchFamily="50" charset="-127"/>
-                <a:cs typeface="Courier New" pitchFamily="49" charset="0"/>
-              </a:rPr>
-              <a:t>hash_t</a:t>
-            </a:r>
-            <a:r>
-              <a:rPr lang="en-US" altLang="ko-KR" sz="1400" dirty="0">
-                <a:solidFill>
-                  <a:prstClr val="black"/>
-                </a:solidFill>
-                <a:latin typeface="Courier New" pitchFamily="49" charset="0"/>
-                <a:ea typeface="맑은 고딕" pitchFamily="50" charset="-127"/>
-                <a:cs typeface="Courier New" pitchFamily="49" charset="0"/>
-              </a:rPr>
-              <a:t>;</a:t>
-            </a:r>
-          </a:p>
-          <a:p>
-            <a:r>
-              <a:rPr lang="en-US" altLang="ko-KR" sz="1400" dirty="0">
-                <a:solidFill>
-                  <a:prstClr val="black"/>
-                </a:solidFill>
-                <a:latin typeface="Courier New" pitchFamily="49" charset="0"/>
-                <a:ea typeface="맑은 고딕" pitchFamily="50" charset="-127"/>
-                <a:cs typeface="Courier New" pitchFamily="49" charset="0"/>
-              </a:rPr>
-              <a:t>6</a:t>
-            </a:r>
-          </a:p>
-          <a:p>
-            <a:r>
-              <a:rPr lang="en-US" altLang="ko-KR" sz="1400" dirty="0">
-                <a:solidFill>
-                  <a:prstClr val="black"/>
-                </a:solidFill>
-                <a:latin typeface="Courier New" pitchFamily="49" charset="0"/>
-                <a:ea typeface="맑은 고딕" pitchFamily="50" charset="-127"/>
-                <a:cs typeface="Courier New" pitchFamily="49" charset="0"/>
-              </a:rPr>
-              <a:t>7 	</a:t>
-            </a:r>
-            <a:r>
-              <a:rPr lang="en-US" altLang="ko-KR" sz="1400" dirty="0">
-                <a:solidFill>
-                  <a:srgbClr val="00B050"/>
-                </a:solidFill>
-                <a:latin typeface="Courier New" pitchFamily="49" charset="0"/>
-                <a:ea typeface="맑은 고딕" pitchFamily="50" charset="-127"/>
-                <a:cs typeface="Courier New" pitchFamily="49" charset="0"/>
-              </a:rPr>
-              <a:t>void </a:t>
-            </a:r>
-            <a:r>
-              <a:rPr lang="en-US" altLang="ko-KR" sz="1400" dirty="0" err="1">
-                <a:solidFill>
-                  <a:prstClr val="black"/>
-                </a:solidFill>
-                <a:latin typeface="Courier New" pitchFamily="49" charset="0"/>
-                <a:ea typeface="맑은 고딕" pitchFamily="50" charset="-127"/>
-                <a:cs typeface="Courier New" pitchFamily="49" charset="0"/>
-              </a:rPr>
-              <a:t>Hash_Init</a:t>
-            </a:r>
-            <a:r>
-              <a:rPr lang="en-US" altLang="ko-KR" sz="1400" dirty="0">
-                <a:solidFill>
-                  <a:prstClr val="black"/>
-                </a:solidFill>
-                <a:latin typeface="Courier New" pitchFamily="49" charset="0"/>
-                <a:ea typeface="맑은 고딕" pitchFamily="50" charset="-127"/>
-                <a:cs typeface="Courier New" pitchFamily="49" charset="0"/>
-              </a:rPr>
-              <a:t>(</a:t>
-            </a:r>
-            <a:r>
-              <a:rPr lang="en-US" altLang="ko-KR" sz="1400" dirty="0" err="1">
-                <a:solidFill>
-                  <a:prstClr val="black"/>
-                </a:solidFill>
-                <a:latin typeface="Courier New" pitchFamily="49" charset="0"/>
-                <a:ea typeface="맑은 고딕" pitchFamily="50" charset="-127"/>
-                <a:cs typeface="Courier New" pitchFamily="49" charset="0"/>
-              </a:rPr>
-              <a:t>hash_t</a:t>
-            </a:r>
-            <a:r>
-              <a:rPr lang="en-US" altLang="ko-KR" sz="1400" dirty="0">
-                <a:solidFill>
-                  <a:prstClr val="black"/>
-                </a:solidFill>
-                <a:latin typeface="Courier New" pitchFamily="49" charset="0"/>
-                <a:ea typeface="맑은 고딕" pitchFamily="50" charset="-127"/>
-                <a:cs typeface="Courier New" pitchFamily="49" charset="0"/>
-              </a:rPr>
-              <a:t> *H) {</a:t>
-            </a:r>
-          </a:p>
-          <a:p>
-            <a:r>
-              <a:rPr lang="en-US" altLang="ko-KR" sz="1400" dirty="0">
-                <a:solidFill>
-                  <a:prstClr val="black"/>
-                </a:solidFill>
-                <a:latin typeface="Courier New" pitchFamily="49" charset="0"/>
-                <a:ea typeface="맑은 고딕" pitchFamily="50" charset="-127"/>
-                <a:cs typeface="Courier New" pitchFamily="49" charset="0"/>
-              </a:rPr>
-              <a:t>8 		</a:t>
-            </a:r>
-            <a:r>
-              <a:rPr lang="en-US" altLang="ko-KR" sz="1400" dirty="0" err="1">
-                <a:solidFill>
-                  <a:srgbClr val="00B050"/>
-                </a:solidFill>
-                <a:latin typeface="Courier New" pitchFamily="49" charset="0"/>
-                <a:ea typeface="맑은 고딕" pitchFamily="50" charset="-127"/>
-                <a:cs typeface="Courier New" pitchFamily="49" charset="0"/>
-              </a:rPr>
-              <a:t>int</a:t>
-            </a:r>
-            <a:r>
-              <a:rPr lang="en-US" altLang="ko-KR" sz="1400" dirty="0">
-                <a:solidFill>
-                  <a:prstClr val="black"/>
-                </a:solidFill>
-                <a:latin typeface="Courier New" pitchFamily="49" charset="0"/>
-                <a:ea typeface="맑은 고딕" pitchFamily="50" charset="-127"/>
-                <a:cs typeface="Courier New" pitchFamily="49" charset="0"/>
-              </a:rPr>
-              <a:t> </a:t>
-            </a:r>
-            <a:r>
-              <a:rPr lang="en-US" altLang="ko-KR" sz="1400" dirty="0" err="1">
-                <a:solidFill>
-                  <a:prstClr val="black"/>
-                </a:solidFill>
-                <a:latin typeface="Courier New" pitchFamily="49" charset="0"/>
-                <a:ea typeface="맑은 고딕" pitchFamily="50" charset="-127"/>
-                <a:cs typeface="Courier New" pitchFamily="49" charset="0"/>
-              </a:rPr>
-              <a:t>i</a:t>
-            </a:r>
-            <a:r>
-              <a:rPr lang="en-US" altLang="ko-KR" sz="1400" dirty="0">
-                <a:solidFill>
-                  <a:prstClr val="black"/>
-                </a:solidFill>
-                <a:latin typeface="Courier New" pitchFamily="49" charset="0"/>
-                <a:ea typeface="맑은 고딕" pitchFamily="50" charset="-127"/>
-                <a:cs typeface="Courier New" pitchFamily="49" charset="0"/>
-              </a:rPr>
-              <a:t>;</a:t>
-            </a:r>
-          </a:p>
-          <a:p>
-            <a:r>
-              <a:rPr lang="en-US" altLang="ko-KR" sz="1400" dirty="0">
-                <a:solidFill>
-                  <a:prstClr val="black"/>
-                </a:solidFill>
-                <a:latin typeface="Courier New" pitchFamily="49" charset="0"/>
-                <a:ea typeface="맑은 고딕" pitchFamily="50" charset="-127"/>
-                <a:cs typeface="Courier New" pitchFamily="49" charset="0"/>
-              </a:rPr>
-              <a:t>9 		</a:t>
-            </a:r>
-            <a:r>
-              <a:rPr lang="en-US" altLang="ko-KR" sz="1400" dirty="0">
-                <a:solidFill>
-                  <a:srgbClr val="F79646">
-                    <a:lumMod val="75000"/>
-                  </a:srgbClr>
-                </a:solidFill>
-                <a:latin typeface="Courier New" pitchFamily="49" charset="0"/>
-                <a:ea typeface="맑은 고딕" pitchFamily="50" charset="-127"/>
-                <a:cs typeface="Courier New" pitchFamily="49" charset="0"/>
-              </a:rPr>
-              <a:t>for </a:t>
-            </a:r>
-            <a:r>
-              <a:rPr lang="en-US" altLang="ko-KR" sz="1400" dirty="0">
-                <a:solidFill>
-                  <a:prstClr val="black"/>
-                </a:solidFill>
-                <a:latin typeface="Courier New" pitchFamily="49" charset="0"/>
-                <a:ea typeface="맑은 고딕" pitchFamily="50" charset="-127"/>
-                <a:cs typeface="Courier New" pitchFamily="49" charset="0"/>
-              </a:rPr>
-              <a:t>(</a:t>
-            </a:r>
-            <a:r>
-              <a:rPr lang="en-US" altLang="ko-KR" sz="1400" dirty="0" err="1">
-                <a:solidFill>
-                  <a:prstClr val="black"/>
-                </a:solidFill>
-                <a:latin typeface="Courier New" pitchFamily="49" charset="0"/>
-                <a:ea typeface="맑은 고딕" pitchFamily="50" charset="-127"/>
-                <a:cs typeface="Courier New" pitchFamily="49" charset="0"/>
-              </a:rPr>
-              <a:t>i</a:t>
-            </a:r>
-            <a:r>
-              <a:rPr lang="en-US" altLang="ko-KR" sz="1400" dirty="0">
-                <a:solidFill>
-                  <a:prstClr val="black"/>
-                </a:solidFill>
-                <a:latin typeface="Courier New" pitchFamily="49" charset="0"/>
-                <a:ea typeface="맑은 고딕" pitchFamily="50" charset="-127"/>
-                <a:cs typeface="Courier New" pitchFamily="49" charset="0"/>
-              </a:rPr>
-              <a:t> = </a:t>
-            </a:r>
-            <a:r>
-              <a:rPr lang="en-US" altLang="ko-KR" sz="1400" dirty="0">
-                <a:solidFill>
-                  <a:srgbClr val="FF0000"/>
-                </a:solidFill>
-                <a:latin typeface="Courier New" pitchFamily="49" charset="0"/>
-                <a:ea typeface="맑은 고딕" pitchFamily="50" charset="-127"/>
-                <a:cs typeface="Courier New" pitchFamily="49" charset="0"/>
-              </a:rPr>
-              <a:t>0</a:t>
-            </a:r>
-            <a:r>
-              <a:rPr lang="en-US" altLang="ko-KR" sz="1400" dirty="0">
-                <a:solidFill>
-                  <a:prstClr val="black"/>
-                </a:solidFill>
-                <a:latin typeface="Courier New" pitchFamily="49" charset="0"/>
-                <a:ea typeface="맑은 고딕" pitchFamily="50" charset="-127"/>
-                <a:cs typeface="Courier New" pitchFamily="49" charset="0"/>
-              </a:rPr>
-              <a:t>; </a:t>
-            </a:r>
-            <a:r>
-              <a:rPr lang="en-US" altLang="ko-KR" sz="1400" dirty="0" err="1">
-                <a:solidFill>
-                  <a:prstClr val="black"/>
-                </a:solidFill>
-                <a:latin typeface="Courier New" pitchFamily="49" charset="0"/>
-                <a:ea typeface="맑은 고딕" pitchFamily="50" charset="-127"/>
-                <a:cs typeface="Courier New" pitchFamily="49" charset="0"/>
-              </a:rPr>
-              <a:t>i</a:t>
-            </a:r>
-            <a:r>
-              <a:rPr lang="en-US" altLang="ko-KR" sz="1400" dirty="0">
-                <a:solidFill>
-                  <a:prstClr val="black"/>
-                </a:solidFill>
-                <a:latin typeface="Courier New" pitchFamily="49" charset="0"/>
-                <a:ea typeface="맑은 고딕" pitchFamily="50" charset="-127"/>
-                <a:cs typeface="Courier New" pitchFamily="49" charset="0"/>
-              </a:rPr>
-              <a:t> &lt; BUCKETS; </a:t>
-            </a:r>
-            <a:r>
-              <a:rPr lang="en-US" altLang="ko-KR" sz="1400" dirty="0" err="1">
-                <a:solidFill>
-                  <a:prstClr val="black"/>
-                </a:solidFill>
-                <a:latin typeface="Courier New" pitchFamily="49" charset="0"/>
-                <a:ea typeface="맑은 고딕" pitchFamily="50" charset="-127"/>
-                <a:cs typeface="Courier New" pitchFamily="49" charset="0"/>
-              </a:rPr>
-              <a:t>i</a:t>
-            </a:r>
-            <a:r>
-              <a:rPr lang="en-US" altLang="ko-KR" sz="1400" dirty="0">
-                <a:solidFill>
-                  <a:prstClr val="black"/>
-                </a:solidFill>
-                <a:latin typeface="Courier New" pitchFamily="49" charset="0"/>
-                <a:ea typeface="맑은 고딕" pitchFamily="50" charset="-127"/>
-                <a:cs typeface="Courier New" pitchFamily="49" charset="0"/>
-              </a:rPr>
-              <a:t>++) {</a:t>
-            </a:r>
-          </a:p>
-          <a:p>
-            <a:r>
-              <a:rPr lang="en-US" altLang="ko-KR" sz="1400" dirty="0">
-                <a:solidFill>
-                  <a:prstClr val="black"/>
-                </a:solidFill>
-                <a:latin typeface="Courier New" pitchFamily="49" charset="0"/>
-                <a:ea typeface="맑은 고딕" pitchFamily="50" charset="-127"/>
-                <a:cs typeface="Courier New" pitchFamily="49" charset="0"/>
-              </a:rPr>
-              <a:t>10 			</a:t>
-            </a:r>
-            <a:r>
-              <a:rPr lang="en-US" altLang="ko-KR" sz="1400" dirty="0" err="1">
-                <a:solidFill>
-                  <a:prstClr val="black"/>
-                </a:solidFill>
-                <a:latin typeface="Courier New" pitchFamily="49" charset="0"/>
-                <a:ea typeface="맑은 고딕" pitchFamily="50" charset="-127"/>
-                <a:cs typeface="Courier New" pitchFamily="49" charset="0"/>
-              </a:rPr>
-              <a:t>List_Init</a:t>
-            </a:r>
-            <a:r>
-              <a:rPr lang="en-US" altLang="ko-KR" sz="1400" dirty="0">
-                <a:solidFill>
-                  <a:prstClr val="black"/>
-                </a:solidFill>
-                <a:latin typeface="Courier New" pitchFamily="49" charset="0"/>
-                <a:ea typeface="맑은 고딕" pitchFamily="50" charset="-127"/>
-                <a:cs typeface="Courier New" pitchFamily="49" charset="0"/>
-              </a:rPr>
-              <a:t>(&amp;H-&gt;lists[</a:t>
-            </a:r>
-            <a:r>
-              <a:rPr lang="en-US" altLang="ko-KR" sz="1400" dirty="0" err="1">
-                <a:solidFill>
-                  <a:prstClr val="black"/>
-                </a:solidFill>
-                <a:latin typeface="Courier New" pitchFamily="49" charset="0"/>
-                <a:ea typeface="맑은 고딕" pitchFamily="50" charset="-127"/>
-                <a:cs typeface="Courier New" pitchFamily="49" charset="0"/>
-              </a:rPr>
-              <a:t>i</a:t>
-            </a:r>
-            <a:r>
-              <a:rPr lang="en-US" altLang="ko-KR" sz="1400" dirty="0">
-                <a:solidFill>
-                  <a:prstClr val="black"/>
-                </a:solidFill>
-                <a:latin typeface="Courier New" pitchFamily="49" charset="0"/>
-                <a:ea typeface="맑은 고딕" pitchFamily="50" charset="-127"/>
-                <a:cs typeface="Courier New" pitchFamily="49" charset="0"/>
-              </a:rPr>
-              <a:t>]);</a:t>
-            </a:r>
-          </a:p>
-          <a:p>
-            <a:r>
-              <a:rPr lang="en-US" altLang="ko-KR" sz="1400" dirty="0">
-                <a:solidFill>
-                  <a:prstClr val="black"/>
-                </a:solidFill>
-                <a:latin typeface="Courier New" pitchFamily="49" charset="0"/>
-                <a:ea typeface="맑은 고딕" pitchFamily="50" charset="-127"/>
-                <a:cs typeface="Courier New" pitchFamily="49" charset="0"/>
-              </a:rPr>
-              <a:t>11 		}</a:t>
-            </a:r>
-          </a:p>
-          <a:p>
-            <a:r>
-              <a:rPr lang="en-US" altLang="ko-KR" sz="1400" dirty="0">
-                <a:solidFill>
-                  <a:prstClr val="black"/>
-                </a:solidFill>
-                <a:latin typeface="Courier New" pitchFamily="49" charset="0"/>
-                <a:ea typeface="맑은 고딕" pitchFamily="50" charset="-127"/>
-                <a:cs typeface="Courier New" pitchFamily="49" charset="0"/>
-              </a:rPr>
-              <a:t>12 	}</a:t>
-            </a:r>
-          </a:p>
-          <a:p>
-            <a:r>
-              <a:rPr lang="en-US" altLang="ko-KR" sz="1400" dirty="0">
-                <a:solidFill>
-                  <a:prstClr val="black"/>
-                </a:solidFill>
-                <a:latin typeface="Courier New" pitchFamily="49" charset="0"/>
-                <a:ea typeface="맑은 고딕" pitchFamily="50" charset="-127"/>
-                <a:cs typeface="Courier New" pitchFamily="49" charset="0"/>
-              </a:rPr>
-              <a:t>13</a:t>
-            </a:r>
-          </a:p>
-          <a:p>
-            <a:r>
-              <a:rPr lang="en-US" altLang="ko-KR" sz="1400" dirty="0">
-                <a:solidFill>
-                  <a:prstClr val="black"/>
-                </a:solidFill>
-                <a:latin typeface="Courier New" pitchFamily="49" charset="0"/>
-                <a:ea typeface="맑은 고딕" pitchFamily="50" charset="-127"/>
-                <a:cs typeface="Courier New" pitchFamily="49" charset="0"/>
-              </a:rPr>
-              <a:t>14 	</a:t>
-            </a:r>
-            <a:r>
-              <a:rPr lang="en-US" altLang="ko-KR" sz="1400" dirty="0" err="1">
-                <a:solidFill>
-                  <a:srgbClr val="00B050"/>
-                </a:solidFill>
-                <a:latin typeface="Courier New" pitchFamily="49" charset="0"/>
-                <a:ea typeface="맑은 고딕" pitchFamily="50" charset="-127"/>
-                <a:cs typeface="Courier New" pitchFamily="49" charset="0"/>
-              </a:rPr>
-              <a:t>int</a:t>
-            </a:r>
-            <a:r>
-              <a:rPr lang="en-US" altLang="ko-KR" sz="1400" dirty="0">
-                <a:solidFill>
-                  <a:prstClr val="black"/>
-                </a:solidFill>
-                <a:latin typeface="Courier New" pitchFamily="49" charset="0"/>
-                <a:ea typeface="맑은 고딕" pitchFamily="50" charset="-127"/>
-                <a:cs typeface="Courier New" pitchFamily="49" charset="0"/>
-              </a:rPr>
-              <a:t> </a:t>
-            </a:r>
-            <a:r>
-              <a:rPr lang="en-US" altLang="ko-KR" sz="1400" dirty="0" err="1">
-                <a:solidFill>
-                  <a:prstClr val="black"/>
-                </a:solidFill>
-                <a:latin typeface="Courier New" pitchFamily="49" charset="0"/>
-                <a:ea typeface="맑은 고딕" pitchFamily="50" charset="-127"/>
-                <a:cs typeface="Courier New" pitchFamily="49" charset="0"/>
-              </a:rPr>
-              <a:t>Hash_Insert</a:t>
-            </a:r>
-            <a:r>
-              <a:rPr lang="en-US" altLang="ko-KR" sz="1400" dirty="0">
-                <a:solidFill>
-                  <a:prstClr val="black"/>
-                </a:solidFill>
-                <a:latin typeface="Courier New" pitchFamily="49" charset="0"/>
-                <a:ea typeface="맑은 고딕" pitchFamily="50" charset="-127"/>
-                <a:cs typeface="Courier New" pitchFamily="49" charset="0"/>
-              </a:rPr>
-              <a:t>(</a:t>
-            </a:r>
-            <a:r>
-              <a:rPr lang="en-US" altLang="ko-KR" sz="1400" dirty="0" err="1">
-                <a:solidFill>
-                  <a:prstClr val="black"/>
-                </a:solidFill>
-                <a:latin typeface="Courier New" pitchFamily="49" charset="0"/>
-                <a:ea typeface="맑은 고딕" pitchFamily="50" charset="-127"/>
-                <a:cs typeface="Courier New" pitchFamily="49" charset="0"/>
-              </a:rPr>
-              <a:t>hash_t</a:t>
-            </a:r>
-            <a:r>
-              <a:rPr lang="en-US" altLang="ko-KR" sz="1400" dirty="0">
-                <a:solidFill>
-                  <a:prstClr val="black"/>
-                </a:solidFill>
-                <a:latin typeface="Courier New" pitchFamily="49" charset="0"/>
-                <a:ea typeface="맑은 고딕" pitchFamily="50" charset="-127"/>
-                <a:cs typeface="Courier New" pitchFamily="49" charset="0"/>
-              </a:rPr>
-              <a:t> *H, </a:t>
-            </a:r>
-            <a:r>
-              <a:rPr lang="en-US" altLang="ko-KR" sz="1400" dirty="0" err="1">
-                <a:solidFill>
-                  <a:srgbClr val="00B050"/>
-                </a:solidFill>
-                <a:latin typeface="Courier New" pitchFamily="49" charset="0"/>
-                <a:ea typeface="맑은 고딕" pitchFamily="50" charset="-127"/>
-                <a:cs typeface="Courier New" pitchFamily="49" charset="0"/>
-              </a:rPr>
-              <a:t>int</a:t>
-            </a:r>
-            <a:r>
-              <a:rPr lang="en-US" altLang="ko-KR" sz="1400" dirty="0">
-                <a:solidFill>
-                  <a:prstClr val="black"/>
-                </a:solidFill>
-                <a:latin typeface="Courier New" pitchFamily="49" charset="0"/>
-                <a:ea typeface="맑은 고딕" pitchFamily="50" charset="-127"/>
-                <a:cs typeface="Courier New" pitchFamily="49" charset="0"/>
-              </a:rPr>
-              <a:t> key) {</a:t>
-            </a:r>
-          </a:p>
-          <a:p>
-            <a:r>
-              <a:rPr lang="en-US" altLang="ko-KR" sz="1400" dirty="0">
-                <a:solidFill>
-                  <a:prstClr val="black"/>
-                </a:solidFill>
-                <a:latin typeface="Courier New" pitchFamily="49" charset="0"/>
-                <a:ea typeface="맑은 고딕" pitchFamily="50" charset="-127"/>
-                <a:cs typeface="Courier New" pitchFamily="49" charset="0"/>
-              </a:rPr>
-              <a:t>15 		</a:t>
-            </a:r>
-            <a:r>
-              <a:rPr lang="en-US" altLang="ko-KR" sz="1400" dirty="0" err="1">
-                <a:solidFill>
-                  <a:srgbClr val="00B050"/>
-                </a:solidFill>
-                <a:latin typeface="Courier New" pitchFamily="49" charset="0"/>
-                <a:ea typeface="맑은 고딕" pitchFamily="50" charset="-127"/>
-                <a:cs typeface="Courier New" pitchFamily="49" charset="0"/>
-              </a:rPr>
-              <a:t>int</a:t>
-            </a:r>
-            <a:r>
-              <a:rPr lang="en-US" altLang="ko-KR" sz="1400" dirty="0">
-                <a:solidFill>
-                  <a:prstClr val="black"/>
-                </a:solidFill>
-                <a:latin typeface="Courier New" pitchFamily="49" charset="0"/>
-                <a:ea typeface="맑은 고딕" pitchFamily="50" charset="-127"/>
-                <a:cs typeface="Courier New" pitchFamily="49" charset="0"/>
-              </a:rPr>
-              <a:t> bucket = key % BUCKETS;</a:t>
-            </a:r>
-          </a:p>
-          <a:p>
-            <a:r>
-              <a:rPr lang="en-US" altLang="ko-KR" sz="1400" dirty="0">
-                <a:solidFill>
-                  <a:prstClr val="black"/>
-                </a:solidFill>
-                <a:latin typeface="Courier New" pitchFamily="49" charset="0"/>
-                <a:ea typeface="맑은 고딕" pitchFamily="50" charset="-127"/>
-                <a:cs typeface="Courier New" pitchFamily="49" charset="0"/>
-              </a:rPr>
-              <a:t>16 		</a:t>
-            </a:r>
-            <a:r>
-              <a:rPr lang="en-US" altLang="ko-KR" sz="1400" dirty="0">
-                <a:solidFill>
-                  <a:srgbClr val="F79646">
-                    <a:lumMod val="75000"/>
-                  </a:srgbClr>
-                </a:solidFill>
-                <a:latin typeface="Courier New" pitchFamily="49" charset="0"/>
-                <a:ea typeface="맑은 고딕" pitchFamily="50" charset="-127"/>
-                <a:cs typeface="Courier New" pitchFamily="49" charset="0"/>
-              </a:rPr>
-              <a:t>return</a:t>
-            </a:r>
-            <a:r>
-              <a:rPr lang="en-US" altLang="ko-KR" sz="1400" dirty="0">
-                <a:solidFill>
-                  <a:prstClr val="black"/>
-                </a:solidFill>
-                <a:latin typeface="Courier New" pitchFamily="49" charset="0"/>
-                <a:ea typeface="맑은 고딕" pitchFamily="50" charset="-127"/>
-                <a:cs typeface="Courier New" pitchFamily="49" charset="0"/>
-              </a:rPr>
-              <a:t> </a:t>
-            </a:r>
-            <a:r>
-              <a:rPr lang="en-US" altLang="ko-KR" sz="1400" dirty="0" err="1">
-                <a:solidFill>
-                  <a:prstClr val="black"/>
-                </a:solidFill>
-                <a:latin typeface="Courier New" pitchFamily="49" charset="0"/>
-                <a:ea typeface="맑은 고딕" pitchFamily="50" charset="-127"/>
-                <a:cs typeface="Courier New" pitchFamily="49" charset="0"/>
-              </a:rPr>
-              <a:t>List_Insert</a:t>
-            </a:r>
-            <a:r>
-              <a:rPr lang="en-US" altLang="ko-KR" sz="1400" dirty="0">
-                <a:solidFill>
-                  <a:prstClr val="black"/>
-                </a:solidFill>
-                <a:latin typeface="Courier New" pitchFamily="49" charset="0"/>
-                <a:ea typeface="맑은 고딕" pitchFamily="50" charset="-127"/>
-                <a:cs typeface="Courier New" pitchFamily="49" charset="0"/>
-              </a:rPr>
-              <a:t>(&amp;H-&gt;lists[bucket], key);</a:t>
-            </a:r>
-          </a:p>
-          <a:p>
-            <a:r>
-              <a:rPr lang="en-US" altLang="ko-KR" sz="1400" dirty="0">
-                <a:solidFill>
-                  <a:prstClr val="black"/>
-                </a:solidFill>
-                <a:latin typeface="Courier New" pitchFamily="49" charset="0"/>
-                <a:ea typeface="맑은 고딕" pitchFamily="50" charset="-127"/>
-                <a:cs typeface="Courier New" pitchFamily="49" charset="0"/>
-              </a:rPr>
-              <a:t>17 	}</a:t>
-            </a:r>
-          </a:p>
-          <a:p>
-            <a:r>
-              <a:rPr lang="en-US" altLang="ko-KR" sz="1400" dirty="0">
-                <a:solidFill>
-                  <a:prstClr val="black"/>
-                </a:solidFill>
-                <a:latin typeface="Courier New" pitchFamily="49" charset="0"/>
-                <a:ea typeface="맑은 고딕" pitchFamily="50" charset="-127"/>
-                <a:cs typeface="Courier New" pitchFamily="49" charset="0"/>
-              </a:rPr>
-              <a:t>18</a:t>
-            </a:r>
-          </a:p>
-          <a:p>
-            <a:r>
-              <a:rPr lang="en-US" altLang="ko-KR" sz="1400" dirty="0">
-                <a:solidFill>
-                  <a:prstClr val="black"/>
-                </a:solidFill>
-                <a:latin typeface="Courier New" pitchFamily="49" charset="0"/>
-                <a:ea typeface="맑은 고딕" pitchFamily="50" charset="-127"/>
-                <a:cs typeface="Courier New" pitchFamily="49" charset="0"/>
-              </a:rPr>
-              <a:t>19 	</a:t>
-            </a:r>
-            <a:r>
-              <a:rPr lang="en-US" altLang="ko-KR" sz="1400" dirty="0" err="1">
-                <a:solidFill>
-                  <a:srgbClr val="00B050"/>
-                </a:solidFill>
-                <a:latin typeface="Courier New" pitchFamily="49" charset="0"/>
-                <a:ea typeface="맑은 고딕" pitchFamily="50" charset="-127"/>
-                <a:cs typeface="Courier New" pitchFamily="49" charset="0"/>
-              </a:rPr>
-              <a:t>int</a:t>
-            </a:r>
-            <a:r>
-              <a:rPr lang="en-US" altLang="ko-KR" sz="1400" dirty="0">
-                <a:solidFill>
-                  <a:prstClr val="black"/>
-                </a:solidFill>
-                <a:latin typeface="Courier New" pitchFamily="49" charset="0"/>
-                <a:ea typeface="맑은 고딕" pitchFamily="50" charset="-127"/>
-                <a:cs typeface="Courier New" pitchFamily="49" charset="0"/>
-              </a:rPr>
-              <a:t> </a:t>
-            </a:r>
-            <a:r>
-              <a:rPr lang="en-US" altLang="ko-KR" sz="1400" dirty="0" err="1">
-                <a:solidFill>
-                  <a:prstClr val="black"/>
-                </a:solidFill>
-                <a:latin typeface="Courier New" pitchFamily="49" charset="0"/>
-                <a:ea typeface="맑은 고딕" pitchFamily="50" charset="-127"/>
-                <a:cs typeface="Courier New" pitchFamily="49" charset="0"/>
-              </a:rPr>
-              <a:t>Hash_Lookup</a:t>
-            </a:r>
-            <a:r>
-              <a:rPr lang="en-US" altLang="ko-KR" sz="1400" dirty="0">
-                <a:solidFill>
-                  <a:prstClr val="black"/>
-                </a:solidFill>
-                <a:latin typeface="Courier New" pitchFamily="49" charset="0"/>
-                <a:ea typeface="맑은 고딕" pitchFamily="50" charset="-127"/>
-                <a:cs typeface="Courier New" pitchFamily="49" charset="0"/>
-              </a:rPr>
-              <a:t>(</a:t>
-            </a:r>
-            <a:r>
-              <a:rPr lang="en-US" altLang="ko-KR" sz="1400" dirty="0" err="1">
-                <a:solidFill>
-                  <a:prstClr val="black"/>
-                </a:solidFill>
-                <a:latin typeface="Courier New" pitchFamily="49" charset="0"/>
-                <a:ea typeface="맑은 고딕" pitchFamily="50" charset="-127"/>
-                <a:cs typeface="Courier New" pitchFamily="49" charset="0"/>
-              </a:rPr>
-              <a:t>hash_t</a:t>
-            </a:r>
-            <a:r>
-              <a:rPr lang="en-US" altLang="ko-KR" sz="1400" dirty="0">
-                <a:solidFill>
-                  <a:prstClr val="black"/>
-                </a:solidFill>
-                <a:latin typeface="Courier New" pitchFamily="49" charset="0"/>
-                <a:ea typeface="맑은 고딕" pitchFamily="50" charset="-127"/>
-                <a:cs typeface="Courier New" pitchFamily="49" charset="0"/>
-              </a:rPr>
-              <a:t> *H, </a:t>
-            </a:r>
-            <a:r>
-              <a:rPr lang="en-US" altLang="ko-KR" sz="1400" dirty="0" err="1">
-                <a:solidFill>
-                  <a:srgbClr val="00B050"/>
-                </a:solidFill>
-                <a:latin typeface="Courier New" pitchFamily="49" charset="0"/>
-                <a:ea typeface="맑은 고딕" pitchFamily="50" charset="-127"/>
-                <a:cs typeface="Courier New" pitchFamily="49" charset="0"/>
-              </a:rPr>
-              <a:t>int</a:t>
-            </a:r>
-            <a:r>
-              <a:rPr lang="en-US" altLang="ko-KR" sz="1400" dirty="0">
-                <a:solidFill>
-                  <a:prstClr val="black"/>
-                </a:solidFill>
-                <a:latin typeface="Courier New" pitchFamily="49" charset="0"/>
-                <a:ea typeface="맑은 고딕" pitchFamily="50" charset="-127"/>
-                <a:cs typeface="Courier New" pitchFamily="49" charset="0"/>
-              </a:rPr>
-              <a:t> key) {</a:t>
-            </a:r>
-          </a:p>
-          <a:p>
-            <a:r>
-              <a:rPr lang="en-US" altLang="ko-KR" sz="1400" dirty="0">
-                <a:solidFill>
-                  <a:prstClr val="black"/>
-                </a:solidFill>
-                <a:latin typeface="Courier New" pitchFamily="49" charset="0"/>
-                <a:ea typeface="맑은 고딕" pitchFamily="50" charset="-127"/>
-                <a:cs typeface="Courier New" pitchFamily="49" charset="0"/>
-              </a:rPr>
-              <a:t>20 		</a:t>
-            </a:r>
-            <a:r>
-              <a:rPr lang="en-US" altLang="ko-KR" sz="1400" dirty="0" err="1">
-                <a:solidFill>
-                  <a:srgbClr val="00B050"/>
-                </a:solidFill>
-                <a:latin typeface="Courier New" pitchFamily="49" charset="0"/>
-                <a:ea typeface="맑은 고딕" pitchFamily="50" charset="-127"/>
-                <a:cs typeface="Courier New" pitchFamily="49" charset="0"/>
-              </a:rPr>
-              <a:t>int</a:t>
-            </a:r>
-            <a:r>
-              <a:rPr lang="en-US" altLang="ko-KR" sz="1400" dirty="0">
-                <a:solidFill>
-                  <a:prstClr val="black"/>
-                </a:solidFill>
-                <a:latin typeface="Courier New" pitchFamily="49" charset="0"/>
-                <a:ea typeface="맑은 고딕" pitchFamily="50" charset="-127"/>
-                <a:cs typeface="Courier New" pitchFamily="49" charset="0"/>
-              </a:rPr>
-              <a:t> bucket = key % BUCKETS;</a:t>
-            </a:r>
-          </a:p>
-          <a:p>
-            <a:r>
-              <a:rPr lang="en-US" altLang="ko-KR" sz="1400" dirty="0">
-                <a:solidFill>
-                  <a:prstClr val="black"/>
-                </a:solidFill>
-                <a:latin typeface="Courier New" pitchFamily="49" charset="0"/>
-                <a:ea typeface="맑은 고딕" pitchFamily="50" charset="-127"/>
-                <a:cs typeface="Courier New" pitchFamily="49" charset="0"/>
-              </a:rPr>
-              <a:t>21 		</a:t>
-            </a:r>
-            <a:r>
-              <a:rPr lang="en-US" altLang="ko-KR" sz="1400" dirty="0">
-                <a:solidFill>
-                  <a:srgbClr val="F79646">
-                    <a:lumMod val="75000"/>
-                  </a:srgbClr>
-                </a:solidFill>
-                <a:latin typeface="Courier New" pitchFamily="49" charset="0"/>
-                <a:ea typeface="맑은 고딕" pitchFamily="50" charset="-127"/>
-                <a:cs typeface="Courier New" pitchFamily="49" charset="0"/>
-              </a:rPr>
-              <a:t>return</a:t>
-            </a:r>
-            <a:r>
-              <a:rPr lang="en-US" altLang="ko-KR" sz="1400" dirty="0">
-                <a:solidFill>
-                  <a:prstClr val="black"/>
-                </a:solidFill>
-                <a:latin typeface="Courier New" pitchFamily="49" charset="0"/>
-                <a:ea typeface="맑은 고딕" pitchFamily="50" charset="-127"/>
-                <a:cs typeface="Courier New" pitchFamily="49" charset="0"/>
-              </a:rPr>
-              <a:t> </a:t>
-            </a:r>
-            <a:r>
-              <a:rPr lang="en-US" altLang="ko-KR" sz="1400" dirty="0" err="1">
-                <a:solidFill>
-                  <a:prstClr val="black"/>
-                </a:solidFill>
-                <a:latin typeface="Courier New" pitchFamily="49" charset="0"/>
-                <a:ea typeface="맑은 고딕" pitchFamily="50" charset="-127"/>
-                <a:cs typeface="Courier New" pitchFamily="49" charset="0"/>
-              </a:rPr>
-              <a:t>List_Lookup</a:t>
-            </a:r>
-            <a:r>
-              <a:rPr lang="en-US" altLang="ko-KR" sz="1400" dirty="0">
-                <a:solidFill>
-                  <a:prstClr val="black"/>
-                </a:solidFill>
-                <a:latin typeface="Courier New" pitchFamily="49" charset="0"/>
-                <a:ea typeface="맑은 고딕" pitchFamily="50" charset="-127"/>
-                <a:cs typeface="Courier New" pitchFamily="49" charset="0"/>
-              </a:rPr>
-              <a:t>(&amp;H-&gt;lists[bucket], key);</a:t>
-            </a:r>
-          </a:p>
-          <a:p>
-            <a:r>
-              <a:rPr lang="en-US" altLang="ko-KR" sz="1400" dirty="0">
-                <a:solidFill>
-                  <a:prstClr val="black"/>
-                </a:solidFill>
-                <a:latin typeface="Courier New" pitchFamily="49" charset="0"/>
-                <a:ea typeface="맑은 고딕" pitchFamily="50" charset="-127"/>
-                <a:cs typeface="Courier New" pitchFamily="49" charset="0"/>
-              </a:rPr>
-              <a:t>22 	}</a:t>
-            </a:r>
-          </a:p>
-        </p:txBody>
-      </p:sp>
-    </p:spTree>
-    <p:extLst>
-      <p:ext uri="{BB962C8B-B14F-4D97-AF65-F5344CB8AC3E}">
-        <p14:creationId xmlns:p14="http://schemas.microsoft.com/office/powerpoint/2010/main" val="2216897493"/>
-      </p:ext>
-    </p:extLst>
-  </p:cSld>
-  <p:clrMapOvr>
-    <a:masterClrMapping/>
-  </p:clrMapOvr>
-  <p:transition>
-    <p:zoom/>
-  </p:transition>
-</p:sld>
-</file>
-
 <file path=ppt/slides/slide4.xml><?xml version="1.0" encoding="utf-8"?>
 <p:sld xmlns:a="http://schemas.openxmlformats.org/drawingml/2006/main" xmlns:r="http://schemas.openxmlformats.org/officeDocument/2006/relationships" xmlns:p="http://schemas.openxmlformats.org/presentationml/2006/main">
   <p:cSld>
@@ -19647,10 +19627,7 @@
               <a:rPr lang="en-US" altLang="ko-KR" b="1" dirty="0"/>
               <a:t>thread safe</a:t>
             </a:r>
-            <a:r>
-              <a:rPr lang="en-US" altLang="ko-KR" dirty="0"/>
-              <a:t>.</a:t>
-            </a:r>
+            <a:endParaRPr lang="en-US" altLang="ko-KR" dirty="0"/>
           </a:p>
           <a:p>
             <a:pPr lvl="1"/>
@@ -19684,7 +19661,7 @@
             </a:r>
             <a:r>
               <a:rPr lang="en-US" altLang="ko-KR" dirty="0"/>
-              <a:t> of the data structure.</a:t>
+              <a:t> of the data structure</a:t>
             </a:r>
           </a:p>
         </p:txBody>
@@ -22016,7 +21993,7 @@
           <a:p>
             <a:r>
               <a:rPr lang="en-US" altLang="ko-KR" dirty="0"/>
-              <a:t>The performance costs of the simple approach</a:t>
+              <a:t>The performance costs of the simple “Precise/Traditional” approach</a:t>
             </a:r>
             <a:endParaRPr lang="ko-KR" altLang="en-US" dirty="0"/>
           </a:p>
@@ -22059,70 +22036,6 @@
           </a:p>
         </p:txBody>
       </p:sp>
-      <p:pic>
-        <p:nvPicPr>
-          <p:cNvPr id="1026" name="Picture 2"/>
-          <p:cNvPicPr>
-            <a:picLocks noChangeAspect="1" noChangeArrowheads="1"/>
-          </p:cNvPicPr>
-          <p:nvPr/>
-        </p:nvPicPr>
-        <p:blipFill>
-          <a:blip r:embed="rId2" cstate="print">
-            <a:extLst>
-              <a:ext uri="{28A0092B-C50C-407E-A947-70E740481C1C}">
-                <a14:useLocalDpi xmlns:a14="http://schemas.microsoft.com/office/drawing/2010/main" val="0"/>
-              </a:ext>
-            </a:extLst>
-          </a:blip>
-          <a:srcRect/>
-          <a:stretch>
-            <a:fillRect/>
-          </a:stretch>
-        </p:blipFill>
-        <p:spPr bwMode="auto">
-          <a:xfrm>
-            <a:off x="2964554" y="2542704"/>
-            <a:ext cx="3567090" cy="2686497"/>
-          </a:xfrm>
-          <a:prstGeom prst="rect">
-            <a:avLst/>
-          </a:prstGeom>
-          <a:noFill/>
-          <a:ln>
-            <a:noFill/>
-          </a:ln>
-          <a:effectLst/>
-          <a:extLst>
-            <a:ext uri="{909E8E84-426E-40DD-AFC4-6F175D3DCCD1}">
-              <a14:hiddenFill xmlns:a14="http://schemas.microsoft.com/office/drawing/2010/main">
-                <a:solidFill>
-                  <a:schemeClr val="accent1"/>
-                </a:solidFill>
-              </a14:hiddenFill>
-            </a:ext>
-            <a:ext uri="{91240B29-F687-4F45-9708-019B960494DF}">
-              <a14:hiddenLine xmlns:a14="http://schemas.microsoft.com/office/drawing/2010/main" w="9525">
-                <a:solidFill>
-                  <a:schemeClr val="tx1"/>
-                </a:solidFill>
-                <a:miter lim="800000"/>
-                <a:headEnd/>
-                <a:tailEnd/>
-              </a14:hiddenLine>
-            </a:ext>
-            <a:ext uri="{AF507438-7753-43E0-B8FC-AC1667EBCBE1}">
-              <a14:hiddenEffects xmlns:a14="http://schemas.microsoft.com/office/drawing/2010/main">
-                <a:effectLst>
-                  <a:outerShdw dist="35921" dir="2700000" algn="ctr" rotWithShape="0">
-                    <a:schemeClr val="bg2"/>
-                  </a:outerShdw>
-                </a:effectLst>
-              </a14:hiddenEffects>
-            </a:ext>
-          </a:extLst>
-        </p:spPr>
-      </p:pic>
       <p:sp>
         <p:nvSpPr>
           <p:cNvPr id="7" name="TextBox 6"/>
@@ -22132,7 +22045,7 @@
         <p:spPr>
           <a:xfrm>
             <a:off x="6600056" y="4293096"/>
-            <a:ext cx="3816424" cy="738664"/>
+            <a:ext cx="4320480" cy="738664"/>
           </a:xfrm>
           <a:prstGeom prst="rect">
             <a:avLst/>
@@ -22165,7 +22078,7 @@
                 <a:latin typeface="맑은 고딕" pitchFamily="50" charset="-127"/>
                 <a:ea typeface="맑은 고딕" pitchFamily="50" charset="-127"/>
               </a:rPr>
-              <a:t>Traditional vs. Sloppy Counters</a:t>
+              <a:t>Traditional vs. Approximate Counters</a:t>
             </a:r>
           </a:p>
           <a:p>
@@ -22177,7 +22090,7 @@
                 <a:latin typeface="맑은 고딕" pitchFamily="50" charset="-127"/>
                 <a:ea typeface="맑은 고딕" pitchFamily="50" charset="-127"/>
               </a:rPr>
-              <a:t>(Threshold of Sloppy, </a:t>
+              <a:t>(Threshold of Approximate, </a:t>
             </a:r>
             <a:r>
               <a:rPr lang="en-US" altLang="ko-KR" sz="1400" i="1" dirty="0">
@@ -22265,7 +22178,7 @@
                 <a:latin typeface="맑은 고딕" panose="020B0503020000020004" pitchFamily="50" charset="-127"/>
                 <a:ea typeface="맑은 고딕" panose="020B0503020000020004" pitchFamily="50" charset="-127"/>
               </a:rPr>
-              <a:t>Synchronized counter </a:t>
+              <a:t>Traditional counter </a:t>
             </a:r>
             <a:r>
               <a:rPr lang="en-US" altLang="ko-KR" b="1" dirty="0">
@@ -22290,6 +22203,36 @@
           </a:p>
         </p:txBody>
       </p:sp>
+      <p:pic>
+        <p:nvPicPr>
+          <p:cNvPr id="5" name="Picture 4">
+            <a:extLst>
+              <a:ext uri="{FF2B5EF4-FFF2-40B4-BE49-F238E27FC236}">
+                <a16:creationId xmlns:a16="http://schemas.microsoft.com/office/drawing/2014/main" id="{71945377-156B-451F-A6D3-CB06B42DABF1}"/>
+              </a:ext>
+            </a:extLst>
+          </p:cNvPr>
+          <p:cNvPicPr>
+            <a:picLocks noChangeAspect="1"/>
+          </p:cNvPicPr>
+          <p:nvPr/>
+        </p:nvPicPr>
+        <p:blipFill>
+          <a:blip r:embed="rId2"/>
+          <a:stretch>
+            <a:fillRect/>
+          </a:stretch>
+        </p:blipFill>
+        <p:spPr>
+          <a:xfrm>
+            <a:off x="2770776" y="2366883"/>
+            <a:ext cx="3772455" cy="2880320"/>
+          </a:xfrm>
+          <a:prstGeom prst="rect">
+            <a:avLst/>
+          </a:prstGeom>
+        </p:spPr>
+      </p:pic>
     </p:spTree>
     <p:extLst>
       <p:ext uri="{BB962C8B-B14F-4D97-AF65-F5344CB8AC3E}">

--- a/cmsc125/ostep/slides/02.Concurrency/29.Lock-based_Concurrent_Data_Structures.pptx
+++ b/cmsc125/ostep/slides/02.Concurrency/29.Lock-based_Concurrent_Data_Structures.pptx
@@ -268,7 +268,7 @@
           <a:p>
             <a:fld id="{050F0499-AE52-4672-879B-3107B2FC2A9F}" type="datetimeFigureOut">
               <a:rPr lang="ko-KR" altLang="en-US" smtClean="0"/>
-              <a:t>2021-12-08</a:t>
+              <a:t>2021-12-14</a:t>
             </a:fld>
             <a:endParaRPr lang="ko-KR" altLang="en-US"/>
           </a:p>
@@ -2265,14 +2265,14 @@
           <a:p>
             <a:r>
               <a:rPr lang="en-US" altLang="ko-KR" dirty="0"/>
-              <a:t>Sloppy counter example</a:t>
+              <a:t>Approximate counter example</a:t>
             </a:r>
             <a:endParaRPr lang="ko-KR" altLang="en-US" dirty="0"/>
           </a:p>
         </p:txBody>
       </p:sp>
-      <mc:AlternateContent xmlns:mc="http://schemas.openxmlformats.org/markup-compatibility/2006">
-        <mc:Choice xmlns:a14="http://schemas.microsoft.com/office/drawing/2010/main" Requires="a14">
+      <mc:AlternateContent xmlns:mc="http://schemas.openxmlformats.org/markup-compatibility/2006" xmlns:a14="http://schemas.microsoft.com/office/drawing/2010/main">
+        <mc:Choice Requires="a14">
           <p:sp>
             <p:nvSpPr>
               <p:cNvPr id="3" name="내용 개체 틀 2"/>
@@ -2380,7 +2380,7 @@
             </p:txBody>
           </p:sp>
         </mc:Choice>
-        <mc:Fallback>
+        <mc:Fallback xmlns="">
           <p:sp>
             <p:nvSpPr>
               <p:cNvPr id="3" name="내용 개체 틀 2"/>
